--- a/Presentation3.pptx
+++ b/Presentation3.pptx
@@ -16,9 +16,9 @@
     <p:sldId id="273" r:id="rId7"/>
     <p:sldId id="302" r:id="rId8"/>
     <p:sldId id="303" r:id="rId9"/>
-    <p:sldId id="304" r:id="rId10"/>
-    <p:sldId id="296" r:id="rId11"/>
-    <p:sldId id="297" r:id="rId12"/>
+    <p:sldId id="310" r:id="rId10"/>
+    <p:sldId id="313" r:id="rId11"/>
+    <p:sldId id="312" r:id="rId12"/>
   </p:sldIdLst>
   <p:sldSz cx="12192000" cy="6858000"/>
   <p:notesSz cx="6858000" cy="9144000"/>
@@ -207,7 +207,7 @@
           <a:p>
             <a:fld id="{05FB5954-A769-41A3-8C14-23C3B163CDC2}" type="datetimeFigureOut">
               <a:rPr lang="en-IL" smtClean="0"/>
-              <a:t>23/11/2024</a:t>
+              <a:t>11/27/2024</a:t>
             </a:fld>
             <a:endParaRPr lang="en-IL"/>
           </a:p>
@@ -1217,7 +1217,7 @@
         <p:cNvPr id="1" name="">
           <a:extLst>
             <a:ext uri="{FF2B5EF4-FFF2-40B4-BE49-F238E27FC236}">
-              <a16:creationId xmlns:a16="http://schemas.microsoft.com/office/drawing/2014/main" id="{94D5876C-B923-3F3B-5D01-66E21529208E}"/>
+              <a16:creationId xmlns:a16="http://schemas.microsoft.com/office/drawing/2014/main" id="{38089F54-F69D-3F86-971B-CEB383874A53}"/>
             </a:ext>
           </a:extLst>
         </p:cNvPr>
@@ -1237,7 +1237,7 @@
           <p:cNvPr id="2" name="Slide Image Placeholder 1">
             <a:extLst>
               <a:ext uri="{FF2B5EF4-FFF2-40B4-BE49-F238E27FC236}">
-                <a16:creationId xmlns:a16="http://schemas.microsoft.com/office/drawing/2014/main" id="{93172CC7-A6BE-5949-83EE-FD7E67C1DD4C}"/>
+                <a16:creationId xmlns:a16="http://schemas.microsoft.com/office/drawing/2014/main" id="{011AD20F-5786-0C9B-AD84-65DCFEC65C3A}"/>
               </a:ext>
             </a:extLst>
           </p:cNvPr>
@@ -1255,7 +1255,7 @@
           <p:cNvPr id="3" name="Notes Placeholder 2">
             <a:extLst>
               <a:ext uri="{FF2B5EF4-FFF2-40B4-BE49-F238E27FC236}">
-                <a16:creationId xmlns:a16="http://schemas.microsoft.com/office/drawing/2014/main" id="{6C81FCBE-406D-A9E8-D1EA-A30845A7A225}"/>
+                <a16:creationId xmlns:a16="http://schemas.microsoft.com/office/drawing/2014/main" id="{F32CC140-8101-1560-F0DC-E0FFC71A4A5E}"/>
               </a:ext>
             </a:extLst>
           </p:cNvPr>
@@ -1337,7 +1337,7 @@
           <p:cNvPr id="4" name="Slide Number Placeholder 3">
             <a:extLst>
               <a:ext uri="{FF2B5EF4-FFF2-40B4-BE49-F238E27FC236}">
-                <a16:creationId xmlns:a16="http://schemas.microsoft.com/office/drawing/2014/main" id="{50A1C5C2-D1C6-A49E-75BD-1FA16DC25309}"/>
+                <a16:creationId xmlns:a16="http://schemas.microsoft.com/office/drawing/2014/main" id="{39276F7F-D8E5-EF53-AB01-69BA6AC45A3A}"/>
               </a:ext>
             </a:extLst>
           </p:cNvPr>
@@ -1364,7 +1364,7 @@
     </p:spTree>
     <p:extLst>
       <p:ext uri="{BB962C8B-B14F-4D97-AF65-F5344CB8AC3E}">
-        <p14:creationId xmlns:p14="http://schemas.microsoft.com/office/powerpoint/2010/main" val="3726474186"/>
+        <p14:creationId xmlns:p14="http://schemas.microsoft.com/office/powerpoint/2010/main" val="3772239578"/>
       </p:ext>
     </p:extLst>
   </p:cSld>
@@ -1382,7 +1382,7 @@
         <p:cNvPr id="1" name="">
           <a:extLst>
             <a:ext uri="{FF2B5EF4-FFF2-40B4-BE49-F238E27FC236}">
-              <a16:creationId xmlns:a16="http://schemas.microsoft.com/office/drawing/2014/main" id="{F1492E96-D78B-87B5-790D-83F64655183D}"/>
+              <a16:creationId xmlns:a16="http://schemas.microsoft.com/office/drawing/2014/main" id="{2A5D00BE-7D5B-A7EE-62F5-4EAE051CCC08}"/>
             </a:ext>
           </a:extLst>
         </p:cNvPr>
@@ -1402,7 +1402,7 @@
           <p:cNvPr id="2" name="Slide Image Placeholder 1">
             <a:extLst>
               <a:ext uri="{FF2B5EF4-FFF2-40B4-BE49-F238E27FC236}">
-                <a16:creationId xmlns:a16="http://schemas.microsoft.com/office/drawing/2014/main" id="{2E065DF8-19F8-144F-67C2-4827C7732D8C}"/>
+                <a16:creationId xmlns:a16="http://schemas.microsoft.com/office/drawing/2014/main" id="{383BEE75-18E8-5C8E-6C52-1F572C542A22}"/>
               </a:ext>
             </a:extLst>
           </p:cNvPr>
@@ -1420,7 +1420,7 @@
           <p:cNvPr id="3" name="Notes Placeholder 2">
             <a:extLst>
               <a:ext uri="{FF2B5EF4-FFF2-40B4-BE49-F238E27FC236}">
-                <a16:creationId xmlns:a16="http://schemas.microsoft.com/office/drawing/2014/main" id="{D1FD754B-DF9E-DC20-4A6C-5DC8F5185183}"/>
+                <a16:creationId xmlns:a16="http://schemas.microsoft.com/office/drawing/2014/main" id="{97A4700D-0AC9-32CA-B809-AD64848BA7B7}"/>
               </a:ext>
             </a:extLst>
           </p:cNvPr>
@@ -1502,7 +1502,7 @@
           <p:cNvPr id="4" name="Slide Number Placeholder 3">
             <a:extLst>
               <a:ext uri="{FF2B5EF4-FFF2-40B4-BE49-F238E27FC236}">
-                <a16:creationId xmlns:a16="http://schemas.microsoft.com/office/drawing/2014/main" id="{8E70BD1B-AA9E-C663-4E5F-D220ABED0D6D}"/>
+                <a16:creationId xmlns:a16="http://schemas.microsoft.com/office/drawing/2014/main" id="{3FFD13EF-D520-22DA-5A14-584C28B06339}"/>
               </a:ext>
             </a:extLst>
           </p:cNvPr>
@@ -1529,7 +1529,7 @@
     </p:spTree>
     <p:extLst>
       <p:ext uri="{BB962C8B-B14F-4D97-AF65-F5344CB8AC3E}">
-        <p14:creationId xmlns:p14="http://schemas.microsoft.com/office/powerpoint/2010/main" val="1959885554"/>
+        <p14:creationId xmlns:p14="http://schemas.microsoft.com/office/powerpoint/2010/main" val="2056872647"/>
       </p:ext>
     </p:extLst>
   </p:cSld>
@@ -1547,7 +1547,7 @@
         <p:cNvPr id="1" name="">
           <a:extLst>
             <a:ext uri="{FF2B5EF4-FFF2-40B4-BE49-F238E27FC236}">
-              <a16:creationId xmlns:a16="http://schemas.microsoft.com/office/drawing/2014/main" id="{C9177705-1DF5-33D2-9C2D-AC2C075C9EE2}"/>
+              <a16:creationId xmlns:a16="http://schemas.microsoft.com/office/drawing/2014/main" id="{F6CC4AC3-FF90-BC5B-6A5D-768886086A57}"/>
             </a:ext>
           </a:extLst>
         </p:cNvPr>
@@ -1567,7 +1567,7 @@
           <p:cNvPr id="2" name="Slide Image Placeholder 1">
             <a:extLst>
               <a:ext uri="{FF2B5EF4-FFF2-40B4-BE49-F238E27FC236}">
-                <a16:creationId xmlns:a16="http://schemas.microsoft.com/office/drawing/2014/main" id="{2B4294AE-E2F0-E64A-F9F4-01D5C784D8B0}"/>
+                <a16:creationId xmlns:a16="http://schemas.microsoft.com/office/drawing/2014/main" id="{B99E0F7C-7560-3E9B-7855-76D24FB600CD}"/>
               </a:ext>
             </a:extLst>
           </p:cNvPr>
@@ -1585,7 +1585,7 @@
           <p:cNvPr id="3" name="Notes Placeholder 2">
             <a:extLst>
               <a:ext uri="{FF2B5EF4-FFF2-40B4-BE49-F238E27FC236}">
-                <a16:creationId xmlns:a16="http://schemas.microsoft.com/office/drawing/2014/main" id="{DB6DAFEA-ED41-1D54-4E80-82A0C15799F8}"/>
+                <a16:creationId xmlns:a16="http://schemas.microsoft.com/office/drawing/2014/main" id="{00C21A8D-08BE-91C9-CC82-6B1341CC5D49}"/>
               </a:ext>
             </a:extLst>
           </p:cNvPr>
@@ -1667,7 +1667,7 @@
           <p:cNvPr id="4" name="Slide Number Placeholder 3">
             <a:extLst>
               <a:ext uri="{FF2B5EF4-FFF2-40B4-BE49-F238E27FC236}">
-                <a16:creationId xmlns:a16="http://schemas.microsoft.com/office/drawing/2014/main" id="{C2D364A2-238D-599C-A8C6-689B85C03F32}"/>
+                <a16:creationId xmlns:a16="http://schemas.microsoft.com/office/drawing/2014/main" id="{28ECA249-F995-75F2-737F-AAAD910E33A6}"/>
               </a:ext>
             </a:extLst>
           </p:cNvPr>
@@ -1694,7 +1694,7 @@
     </p:spTree>
     <p:extLst>
       <p:ext uri="{BB962C8B-B14F-4D97-AF65-F5344CB8AC3E}">
-        <p14:creationId xmlns:p14="http://schemas.microsoft.com/office/powerpoint/2010/main" val="2257538496"/>
+        <p14:creationId xmlns:p14="http://schemas.microsoft.com/office/powerpoint/2010/main" val="1244268176"/>
       </p:ext>
     </p:extLst>
   </p:cSld>
@@ -1853,7 +1853,7 @@
           <a:p>
             <a:fld id="{87D6BF5F-60DD-4B1B-8BA8-0AB6C34C5D4F}" type="datetimeFigureOut">
               <a:rPr lang="en-IL" smtClean="0"/>
-              <a:t>23/11/2024</a:t>
+              <a:t>11/27/2024</a:t>
             </a:fld>
             <a:endParaRPr lang="en-IL"/>
           </a:p>
@@ -2053,7 +2053,7 @@
           <a:p>
             <a:fld id="{87D6BF5F-60DD-4B1B-8BA8-0AB6C34C5D4F}" type="datetimeFigureOut">
               <a:rPr lang="en-IL" smtClean="0"/>
-              <a:t>23/11/2024</a:t>
+              <a:t>11/27/2024</a:t>
             </a:fld>
             <a:endParaRPr lang="en-IL"/>
           </a:p>
@@ -2263,7 +2263,7 @@
           <a:p>
             <a:fld id="{87D6BF5F-60DD-4B1B-8BA8-0AB6C34C5D4F}" type="datetimeFigureOut">
               <a:rPr lang="en-IL" smtClean="0"/>
-              <a:t>23/11/2024</a:t>
+              <a:t>11/27/2024</a:t>
             </a:fld>
             <a:endParaRPr lang="en-IL"/>
           </a:p>
@@ -2463,7 +2463,7 @@
           <a:p>
             <a:fld id="{87D6BF5F-60DD-4B1B-8BA8-0AB6C34C5D4F}" type="datetimeFigureOut">
               <a:rPr lang="en-IL" smtClean="0"/>
-              <a:t>23/11/2024</a:t>
+              <a:t>11/27/2024</a:t>
             </a:fld>
             <a:endParaRPr lang="en-IL"/>
           </a:p>
@@ -2739,7 +2739,7 @@
           <a:p>
             <a:fld id="{87D6BF5F-60DD-4B1B-8BA8-0AB6C34C5D4F}" type="datetimeFigureOut">
               <a:rPr lang="en-IL" smtClean="0"/>
-              <a:t>23/11/2024</a:t>
+              <a:t>11/27/2024</a:t>
             </a:fld>
             <a:endParaRPr lang="en-IL"/>
           </a:p>
@@ -3007,7 +3007,7 @@
           <a:p>
             <a:fld id="{87D6BF5F-60DD-4B1B-8BA8-0AB6C34C5D4F}" type="datetimeFigureOut">
               <a:rPr lang="en-IL" smtClean="0"/>
-              <a:t>23/11/2024</a:t>
+              <a:t>11/27/2024</a:t>
             </a:fld>
             <a:endParaRPr lang="en-IL"/>
           </a:p>
@@ -3422,7 +3422,7 @@
           <a:p>
             <a:fld id="{87D6BF5F-60DD-4B1B-8BA8-0AB6C34C5D4F}" type="datetimeFigureOut">
               <a:rPr lang="en-IL" smtClean="0"/>
-              <a:t>23/11/2024</a:t>
+              <a:t>11/27/2024</a:t>
             </a:fld>
             <a:endParaRPr lang="en-IL"/>
           </a:p>
@@ -3564,7 +3564,7 @@
           <a:p>
             <a:fld id="{87D6BF5F-60DD-4B1B-8BA8-0AB6C34C5D4F}" type="datetimeFigureOut">
               <a:rPr lang="en-IL" smtClean="0"/>
-              <a:t>23/11/2024</a:t>
+              <a:t>11/27/2024</a:t>
             </a:fld>
             <a:endParaRPr lang="en-IL"/>
           </a:p>
@@ -3677,7 +3677,7 @@
           <a:p>
             <a:fld id="{87D6BF5F-60DD-4B1B-8BA8-0AB6C34C5D4F}" type="datetimeFigureOut">
               <a:rPr lang="en-IL" smtClean="0"/>
-              <a:t>23/11/2024</a:t>
+              <a:t>11/27/2024</a:t>
             </a:fld>
             <a:endParaRPr lang="en-IL"/>
           </a:p>
@@ -3990,7 +3990,7 @@
           <a:p>
             <a:fld id="{87D6BF5F-60DD-4B1B-8BA8-0AB6C34C5D4F}" type="datetimeFigureOut">
               <a:rPr lang="en-IL" smtClean="0"/>
-              <a:t>23/11/2024</a:t>
+              <a:t>11/27/2024</a:t>
             </a:fld>
             <a:endParaRPr lang="en-IL"/>
           </a:p>
@@ -4279,7 +4279,7 @@
           <a:p>
             <a:fld id="{87D6BF5F-60DD-4B1B-8BA8-0AB6C34C5D4F}" type="datetimeFigureOut">
               <a:rPr lang="en-IL" smtClean="0"/>
-              <a:t>23/11/2024</a:t>
+              <a:t>11/27/2024</a:t>
             </a:fld>
             <a:endParaRPr lang="en-IL"/>
           </a:p>
@@ -4522,7 +4522,7 @@
           <a:p>
             <a:fld id="{87D6BF5F-60DD-4B1B-8BA8-0AB6C34C5D4F}" type="datetimeFigureOut">
               <a:rPr lang="en-IL" smtClean="0"/>
-              <a:t>23/11/2024</a:t>
+              <a:t>11/27/2024</a:t>
             </a:fld>
             <a:endParaRPr lang="en-IL"/>
           </a:p>
@@ -5274,7 +5274,7 @@
         <p:cNvPr id="1" name="">
           <a:extLst>
             <a:ext uri="{FF2B5EF4-FFF2-40B4-BE49-F238E27FC236}">
-              <a16:creationId xmlns:a16="http://schemas.microsoft.com/office/drawing/2014/main" id="{9604A4B0-9C46-D429-0F88-3F3420469626}"/>
+              <a16:creationId xmlns:a16="http://schemas.microsoft.com/office/drawing/2014/main" id="{67F2A89B-1482-4A95-D884-028D710FCA23}"/>
             </a:ext>
           </a:extLst>
         </p:cNvPr>
@@ -5294,7 +5294,7 @@
           <p:cNvPr id="1034" name="Picture 1033">
             <a:extLst>
               <a:ext uri="{FF2B5EF4-FFF2-40B4-BE49-F238E27FC236}">
-                <a16:creationId xmlns:a16="http://schemas.microsoft.com/office/drawing/2014/main" id="{995FF5BD-1C02-3EAB-27E5-6BA8CD84AE8F}"/>
+                <a16:creationId xmlns:a16="http://schemas.microsoft.com/office/drawing/2014/main" id="{73ACEAC1-35E8-3ABD-2706-061248FE3BA2}"/>
               </a:ext>
             </a:extLst>
           </p:cNvPr>
@@ -5311,7 +5311,7 @@
         </p:blipFill>
         <p:spPr>
           <a:xfrm flipH="1" flipV="1">
-            <a:off x="5942617" y="3583605"/>
+            <a:off x="5942617" y="3734217"/>
             <a:ext cx="455911" cy="420421"/>
           </a:xfrm>
           <a:prstGeom prst="rect">
@@ -5321,81 +5321,10 @@
       </p:pic>
       <p:sp>
         <p:nvSpPr>
-          <p:cNvPr id="2" name="Title 1">
-            <a:extLst>
-              <a:ext uri="{FF2B5EF4-FFF2-40B4-BE49-F238E27FC236}">
-                <a16:creationId xmlns:a16="http://schemas.microsoft.com/office/drawing/2014/main" id="{9CFCCEC7-29CF-248D-91D0-B092C32595C1}"/>
-              </a:ext>
-            </a:extLst>
-          </p:cNvPr>
-          <p:cNvSpPr>
-            <a:spLocks noGrp="1"/>
-          </p:cNvSpPr>
-          <p:nvPr>
-            <p:ph type="title"/>
-          </p:nvPr>
-        </p:nvSpPr>
-        <p:spPr>
-          <a:xfrm>
-            <a:off x="838200" y="119317"/>
-            <a:ext cx="10515600" cy="551156"/>
-          </a:xfrm>
-        </p:spPr>
-        <p:txBody>
-          <a:bodyPr>
-            <a:normAutofit/>
-          </a:bodyPr>
-          <a:lstStyle/>
-          <a:p>
-            <a:r>
-              <a:rPr lang="en-US" sz="3200" b="1" dirty="0">
-                <a:solidFill>
-                  <a:srgbClr val="000000"/>
-                </a:solidFill>
-                <a:latin typeface="Arial" panose="020B0604020202020204" pitchFamily="34" charset="0"/>
-              </a:rPr>
-              <a:t>Program operation scheme</a:t>
-            </a:r>
-            <a:endParaRPr lang="en-IL" sz="3200" dirty="0"/>
-          </a:p>
-        </p:txBody>
-      </p:sp>
-      <p:pic>
-        <p:nvPicPr>
-          <p:cNvPr id="7" name="Picture 6">
-            <a:extLst>
-              <a:ext uri="{FF2B5EF4-FFF2-40B4-BE49-F238E27FC236}">
-                <a16:creationId xmlns:a16="http://schemas.microsoft.com/office/drawing/2014/main" id="{AC5B0CB6-C8DE-991E-E6CA-0DE376A45043}"/>
-              </a:ext>
-            </a:extLst>
-          </p:cNvPr>
-          <p:cNvPicPr>
-            <a:picLocks noChangeAspect="1"/>
-          </p:cNvPicPr>
-          <p:nvPr/>
-        </p:nvPicPr>
-        <p:blipFill>
-          <a:blip r:embed="rId4"/>
-          <a:stretch>
-            <a:fillRect/>
-          </a:stretch>
-        </p:blipFill>
-        <p:spPr>
-          <a:xfrm>
-            <a:off x="279133" y="737419"/>
-            <a:ext cx="11633734" cy="119871"/>
-          </a:xfrm>
-          <a:prstGeom prst="rect">
-            <a:avLst/>
-          </a:prstGeom>
-        </p:spPr>
-      </p:pic>
-      <p:sp>
-        <p:nvSpPr>
-          <p:cNvPr id="4" name="TextBox 3">
-            <a:extLst>
-              <a:ext uri="{FF2B5EF4-FFF2-40B4-BE49-F238E27FC236}">
-                <a16:creationId xmlns:a16="http://schemas.microsoft.com/office/drawing/2014/main" id="{DFF29AA7-3115-7DB5-D507-8DE000284175}"/>
+          <p:cNvPr id="19" name="TextBox 18">
+            <a:extLst>
+              <a:ext uri="{FF2B5EF4-FFF2-40B4-BE49-F238E27FC236}">
+                <a16:creationId xmlns:a16="http://schemas.microsoft.com/office/drawing/2014/main" id="{BB57704C-2994-C6FD-8075-2F75B3691E86}"/>
               </a:ext>
             </a:extLst>
           </p:cNvPr>
@@ -5404,50 +5333,8 @@
         </p:nvSpPr>
         <p:spPr>
           <a:xfrm>
-            <a:off x="11353800" y="194840"/>
-            <a:ext cx="559066" cy="400110"/>
-          </a:xfrm>
-          <a:prstGeom prst="rect">
-            <a:avLst/>
-          </a:prstGeom>
-          <a:noFill/>
-          <a:ln>
-            <a:solidFill>
-              <a:schemeClr val="accent1"/>
-            </a:solidFill>
-          </a:ln>
-        </p:spPr>
-        <p:txBody>
-          <a:bodyPr wrap="square" rtlCol="0">
-            <a:spAutoFit/>
-          </a:bodyPr>
-          <a:lstStyle/>
-          <a:p>
-            <a:pPr algn="ctr"/>
-            <a:r>
-              <a:rPr lang="ru-RU" sz="2000" b="1" dirty="0"/>
-              <a:t>9</a:t>
-            </a:r>
-            <a:endParaRPr lang="en-IL" sz="2000" b="1" dirty="0"/>
-          </a:p>
-        </p:txBody>
-      </p:sp>
-      <p:sp>
-        <p:nvSpPr>
-          <p:cNvPr id="8" name="TextBox 7">
-            <a:extLst>
-              <a:ext uri="{FF2B5EF4-FFF2-40B4-BE49-F238E27FC236}">
-                <a16:creationId xmlns:a16="http://schemas.microsoft.com/office/drawing/2014/main" id="{C9383AA7-E4B7-80FE-A717-74199491EAE8}"/>
-              </a:ext>
-            </a:extLst>
-          </p:cNvPr>
-          <p:cNvSpPr txBox="1"/>
-          <p:nvPr/>
-        </p:nvSpPr>
-        <p:spPr>
-          <a:xfrm>
-            <a:off x="2723653" y="1040842"/>
-            <a:ext cx="1515534" cy="1669368"/>
+            <a:off x="4924143" y="3255158"/>
+            <a:ext cx="1515534" cy="923330"/>
           </a:xfrm>
           <a:prstGeom prst="rect">
             <a:avLst/>
@@ -5469,41 +5356,96 @@
           </a:bodyPr>
           <a:lstStyle/>
           <a:p>
-            <a:pPr lvl="0">
-              <a:lnSpc>
-                <a:spcPct val="115000"/>
-              </a:lnSpc>
-              <a:spcAft>
-                <a:spcPts val="800"/>
-              </a:spcAft>
-              <a:tabLst>
-                <a:tab pos="457200" algn="l"/>
-              </a:tabLst>
-            </a:pPr>
-            <a:r>
-              <a:rPr lang="en-IL" sz="1800" b="1" kern="100" dirty="0">
+            <a:r>
+              <a:rPr lang="en-US" sz="1800" b="1" kern="100" dirty="0">
                 <a:effectLst/>
                 <a:latin typeface="Aptos" panose="020B0004020202020204" pitchFamily="34" charset="0"/>
                 <a:ea typeface="Aptos" panose="020B0004020202020204" pitchFamily="34" charset="0"/>
                 <a:cs typeface="Arial" panose="020B0604020202020204" pitchFamily="34" charset="0"/>
               </a:rPr>
-              <a:t>Retrieve Patient Information from Database</a:t>
-            </a:r>
-            <a:endParaRPr lang="en-IL" sz="1800" kern="100" dirty="0">
-              <a:effectLst/>
-              <a:latin typeface="Aptos" panose="020B0004020202020204" pitchFamily="34" charset="0"/>
-              <a:ea typeface="Aptos" panose="020B0004020202020204" pitchFamily="34" charset="0"/>
-              <a:cs typeface="Arial" panose="020B0604020202020204" pitchFamily="34" charset="0"/>
-            </a:endParaRPr>
-          </a:p>
-        </p:txBody>
-      </p:sp>
-      <p:sp>
-        <p:nvSpPr>
-          <p:cNvPr id="10" name="TextBox 9">
-            <a:extLst>
-              <a:ext uri="{FF2B5EF4-FFF2-40B4-BE49-F238E27FC236}">
-                <a16:creationId xmlns:a16="http://schemas.microsoft.com/office/drawing/2014/main" id="{268830A5-E378-89DC-0EB6-C8553FBDC2B4}"/>
+              <a:t>Speak LLM answer to Patient</a:t>
+            </a:r>
+            <a:endParaRPr lang="en-IL" dirty="0"/>
+          </a:p>
+        </p:txBody>
+      </p:sp>
+      <p:sp>
+        <p:nvSpPr>
+          <p:cNvPr id="2" name="Title 1">
+            <a:extLst>
+              <a:ext uri="{FF2B5EF4-FFF2-40B4-BE49-F238E27FC236}">
+                <a16:creationId xmlns:a16="http://schemas.microsoft.com/office/drawing/2014/main" id="{CF42AD35-CCDC-6DC8-4231-5EDE7EBBA03B}"/>
+              </a:ext>
+            </a:extLst>
+          </p:cNvPr>
+          <p:cNvSpPr>
+            <a:spLocks noGrp="1"/>
+          </p:cNvSpPr>
+          <p:nvPr>
+            <p:ph type="title"/>
+          </p:nvPr>
+        </p:nvSpPr>
+        <p:spPr>
+          <a:xfrm>
+            <a:off x="838200" y="119317"/>
+            <a:ext cx="10515600" cy="551156"/>
+          </a:xfrm>
+        </p:spPr>
+        <p:txBody>
+          <a:bodyPr>
+            <a:normAutofit/>
+          </a:bodyPr>
+          <a:lstStyle/>
+          <a:p>
+            <a:r>
+              <a:rPr lang="en-US" sz="3200" b="1" dirty="0">
+                <a:solidFill>
+                  <a:srgbClr val="000000"/>
+                </a:solidFill>
+                <a:latin typeface="Arial" panose="020B0604020202020204" pitchFamily="34" charset="0"/>
+              </a:rPr>
+              <a:t>Program operation scheme</a:t>
+            </a:r>
+            <a:endParaRPr lang="en-IL" sz="3200" dirty="0"/>
+          </a:p>
+        </p:txBody>
+      </p:sp>
+      <p:pic>
+        <p:nvPicPr>
+          <p:cNvPr id="7" name="Picture 6">
+            <a:extLst>
+              <a:ext uri="{FF2B5EF4-FFF2-40B4-BE49-F238E27FC236}">
+                <a16:creationId xmlns:a16="http://schemas.microsoft.com/office/drawing/2014/main" id="{EBAD63BE-4868-A750-E8E9-0DDC02B211CE}"/>
+              </a:ext>
+            </a:extLst>
+          </p:cNvPr>
+          <p:cNvPicPr>
+            <a:picLocks noChangeAspect="1"/>
+          </p:cNvPicPr>
+          <p:nvPr/>
+        </p:nvPicPr>
+        <p:blipFill>
+          <a:blip r:embed="rId4"/>
+          <a:stretch>
+            <a:fillRect/>
+          </a:stretch>
+        </p:blipFill>
+        <p:spPr>
+          <a:xfrm>
+            <a:off x="279133" y="737419"/>
+            <a:ext cx="11633734" cy="119871"/>
+          </a:xfrm>
+          <a:prstGeom prst="rect">
+            <a:avLst/>
+          </a:prstGeom>
+        </p:spPr>
+      </p:pic>
+      <p:sp>
+        <p:nvSpPr>
+          <p:cNvPr id="4" name="TextBox 3">
+            <a:extLst>
+              <a:ext uri="{FF2B5EF4-FFF2-40B4-BE49-F238E27FC236}">
+                <a16:creationId xmlns:a16="http://schemas.microsoft.com/office/drawing/2014/main" id="{25F3D996-625F-A4C3-F098-B283810C694A}"/>
               </a:ext>
             </a:extLst>
           </p:cNvPr>
@@ -5512,8 +5454,50 @@
         </p:nvSpPr>
         <p:spPr>
           <a:xfrm>
-            <a:off x="292927" y="1275359"/>
-            <a:ext cx="1752722" cy="1200329"/>
+            <a:off x="11353800" y="194840"/>
+            <a:ext cx="559066" cy="400110"/>
+          </a:xfrm>
+          <a:prstGeom prst="rect">
+            <a:avLst/>
+          </a:prstGeom>
+          <a:noFill/>
+          <a:ln>
+            <a:solidFill>
+              <a:schemeClr val="accent1"/>
+            </a:solidFill>
+          </a:ln>
+        </p:spPr>
+        <p:txBody>
+          <a:bodyPr wrap="square" rtlCol="0">
+            <a:spAutoFit/>
+          </a:bodyPr>
+          <a:lstStyle/>
+          <a:p>
+            <a:pPr algn="ctr"/>
+            <a:r>
+              <a:rPr lang="en-US" sz="2000" b="1" dirty="0"/>
+              <a:t>9</a:t>
+            </a:r>
+            <a:endParaRPr lang="en-IL" sz="2000" b="1" dirty="0"/>
+          </a:p>
+        </p:txBody>
+      </p:sp>
+      <p:sp>
+        <p:nvSpPr>
+          <p:cNvPr id="8" name="TextBox 7">
+            <a:extLst>
+              <a:ext uri="{FF2B5EF4-FFF2-40B4-BE49-F238E27FC236}">
+                <a16:creationId xmlns:a16="http://schemas.microsoft.com/office/drawing/2014/main" id="{A80B7F6A-45CC-C8EB-D6F9-2B94705B92C0}"/>
+              </a:ext>
+            </a:extLst>
+          </p:cNvPr>
+          <p:cNvSpPr txBox="1"/>
+          <p:nvPr/>
+        </p:nvSpPr>
+        <p:spPr>
+          <a:xfrm>
+            <a:off x="2723653" y="1040842"/>
+            <a:ext cx="1515534" cy="1669368"/>
           </a:xfrm>
           <a:prstGeom prst="rect">
             <a:avLst/>
@@ -5535,6 +5519,17 @@
           </a:bodyPr>
           <a:lstStyle/>
           <a:p>
+            <a:pPr lvl="0">
+              <a:lnSpc>
+                <a:spcPct val="115000"/>
+              </a:lnSpc>
+              <a:spcAft>
+                <a:spcPts val="800"/>
+              </a:spcAft>
+              <a:tabLst>
+                <a:tab pos="457200" algn="l"/>
+              </a:tabLst>
+            </a:pPr>
             <a:r>
               <a:rPr lang="en-IL" sz="1800" b="1" kern="100" dirty="0">
                 <a:effectLst/>
@@ -5542,22 +5537,23 @@
                 <a:ea typeface="Aptos" panose="020B0004020202020204" pitchFamily="34" charset="0"/>
                 <a:cs typeface="Arial" panose="020B0604020202020204" pitchFamily="34" charset="0"/>
               </a:rPr>
-              <a:t>Patient Identification or New Patient Registration</a:t>
-            </a:r>
-            <a:r>
-              <a:rPr lang="ru-RU" dirty="0"/>
-              <a:t> </a:t>
-            </a:r>
-            <a:endParaRPr lang="en-IL" dirty="0"/>
-          </a:p>
-        </p:txBody>
-      </p:sp>
-      <p:sp>
-        <p:nvSpPr>
-          <p:cNvPr id="5" name="TextBox 4">
-            <a:extLst>
-              <a:ext uri="{FF2B5EF4-FFF2-40B4-BE49-F238E27FC236}">
-                <a16:creationId xmlns:a16="http://schemas.microsoft.com/office/drawing/2014/main" id="{2560838E-3016-A1EB-03B9-606BDA577B89}"/>
+              <a:t>Retrieve Patient Information from Database</a:t>
+            </a:r>
+            <a:endParaRPr lang="en-IL" sz="1800" kern="100" dirty="0">
+              <a:effectLst/>
+              <a:latin typeface="Aptos" panose="020B0004020202020204" pitchFamily="34" charset="0"/>
+              <a:ea typeface="Aptos" panose="020B0004020202020204" pitchFamily="34" charset="0"/>
+              <a:cs typeface="Arial" panose="020B0604020202020204" pitchFamily="34" charset="0"/>
+            </a:endParaRPr>
+          </a:p>
+        </p:txBody>
+      </p:sp>
+      <p:sp>
+        <p:nvSpPr>
+          <p:cNvPr id="10" name="TextBox 9">
+            <a:extLst>
+              <a:ext uri="{FF2B5EF4-FFF2-40B4-BE49-F238E27FC236}">
+                <a16:creationId xmlns:a16="http://schemas.microsoft.com/office/drawing/2014/main" id="{CD8E4055-86FE-2BCB-7838-64D298FE9B20}"/>
               </a:ext>
             </a:extLst>
           </p:cNvPr>
@@ -5566,8 +5562,8 @@
         </p:nvSpPr>
         <p:spPr>
           <a:xfrm>
-            <a:off x="4920698" y="1200115"/>
-            <a:ext cx="1515534" cy="1350819"/>
+            <a:off x="292927" y="1275359"/>
+            <a:ext cx="1752722" cy="1200329"/>
           </a:xfrm>
           <a:prstGeom prst="rect">
             <a:avLst/>
@@ -5589,17 +5585,6 @@
           </a:bodyPr>
           <a:lstStyle/>
           <a:p>
-            <a:pPr lvl="0">
-              <a:lnSpc>
-                <a:spcPct val="115000"/>
-              </a:lnSpc>
-              <a:spcAft>
-                <a:spcPts val="800"/>
-              </a:spcAft>
-              <a:tabLst>
-                <a:tab pos="457200" algn="l"/>
-              </a:tabLst>
-            </a:pPr>
             <a:r>
               <a:rPr lang="en-IL" sz="1800" b="1" kern="100" dirty="0">
                 <a:effectLst/>
@@ -5607,23 +5592,22 @@
                 <a:ea typeface="Aptos" panose="020B0004020202020204" pitchFamily="34" charset="0"/>
                 <a:cs typeface="Arial" panose="020B0604020202020204" pitchFamily="34" charset="0"/>
               </a:rPr>
-              <a:t>Record and Recognize Patient’s Speech</a:t>
-            </a:r>
-            <a:endParaRPr lang="en-IL" sz="1800" kern="100" dirty="0">
-              <a:effectLst/>
-              <a:latin typeface="Aptos" panose="020B0004020202020204" pitchFamily="34" charset="0"/>
-              <a:ea typeface="Aptos" panose="020B0004020202020204" pitchFamily="34" charset="0"/>
-              <a:cs typeface="Arial" panose="020B0604020202020204" pitchFamily="34" charset="0"/>
-            </a:endParaRPr>
-          </a:p>
-        </p:txBody>
-      </p:sp>
-      <p:sp>
-        <p:nvSpPr>
-          <p:cNvPr id="6" name="TextBox 5">
-            <a:extLst>
-              <a:ext uri="{FF2B5EF4-FFF2-40B4-BE49-F238E27FC236}">
-                <a16:creationId xmlns:a16="http://schemas.microsoft.com/office/drawing/2014/main" id="{74B8EC73-3E6A-5A0D-C720-0D8BDB15C4DA}"/>
+              <a:t>Patient Identification or New Patient Registration</a:t>
+            </a:r>
+            <a:r>
+              <a:rPr lang="ru-RU" dirty="0"/>
+              <a:t> </a:t>
+            </a:r>
+            <a:endParaRPr lang="en-IL" dirty="0"/>
+          </a:p>
+        </p:txBody>
+      </p:sp>
+      <p:sp>
+        <p:nvSpPr>
+          <p:cNvPr id="5" name="TextBox 4">
+            <a:extLst>
+              <a:ext uri="{FF2B5EF4-FFF2-40B4-BE49-F238E27FC236}">
+                <a16:creationId xmlns:a16="http://schemas.microsoft.com/office/drawing/2014/main" id="{0F471EA2-A9A6-4AD8-6CE5-6A88651B1B82}"/>
               </a:ext>
             </a:extLst>
           </p:cNvPr>
@@ -5632,8 +5616,8 @@
         </p:nvSpPr>
         <p:spPr>
           <a:xfrm>
-            <a:off x="7075404" y="2584287"/>
-            <a:ext cx="1770447" cy="1032270"/>
+            <a:off x="4920698" y="1200115"/>
+            <a:ext cx="1515534" cy="1350819"/>
           </a:xfrm>
           <a:prstGeom prst="rect">
             <a:avLst/>
@@ -5673,7 +5657,7 @@
                 <a:ea typeface="Aptos" panose="020B0004020202020204" pitchFamily="34" charset="0"/>
                 <a:cs typeface="Arial" panose="020B0604020202020204" pitchFamily="34" charset="0"/>
               </a:rPr>
-              <a:t>Analyse Emotional Tone of Voice</a:t>
+              <a:t>Record and Recognize Patient’s Speech</a:t>
             </a:r>
             <a:endParaRPr lang="en-IL" sz="1800" kern="100" dirty="0">
               <a:effectLst/>
@@ -5686,10 +5670,10 @@
       </p:sp>
       <p:sp>
         <p:nvSpPr>
-          <p:cNvPr id="13" name="TextBox 12">
-            <a:extLst>
-              <a:ext uri="{FF2B5EF4-FFF2-40B4-BE49-F238E27FC236}">
-                <a16:creationId xmlns:a16="http://schemas.microsoft.com/office/drawing/2014/main" id="{AF72AF56-8D16-E951-4E05-AD8CCA2186CF}"/>
+          <p:cNvPr id="6" name="TextBox 5">
+            <a:extLst>
+              <a:ext uri="{FF2B5EF4-FFF2-40B4-BE49-F238E27FC236}">
+                <a16:creationId xmlns:a16="http://schemas.microsoft.com/office/drawing/2014/main" id="{771D4B19-8CA3-33C6-3733-A672551C2EA5}"/>
               </a:ext>
             </a:extLst>
           </p:cNvPr>
@@ -5698,8 +5682,8 @@
         </p:nvSpPr>
         <p:spPr>
           <a:xfrm>
-            <a:off x="7075405" y="1045379"/>
-            <a:ext cx="1770446" cy="1350819"/>
+            <a:off x="7075404" y="2584287"/>
+            <a:ext cx="1770447" cy="1032270"/>
           </a:xfrm>
           <a:prstGeom prst="rect">
             <a:avLst/>
@@ -5733,48 +5717,13 @@
               </a:tabLst>
             </a:pPr>
             <a:r>
-              <a:rPr lang="en-US" b="1" kern="100" dirty="0">
-                <a:latin typeface="Aptos" panose="020B0004020202020204" pitchFamily="34" charset="0"/>
-                <a:ea typeface="Aptos" panose="020B0004020202020204" pitchFamily="34" charset="0"/>
-                <a:cs typeface="Arial" panose="020B0604020202020204" pitchFamily="34" charset="0"/>
-              </a:rPr>
-              <a:t>Search </a:t>
-            </a:r>
-            <a:r>
               <a:rPr lang="en-IL" sz="1800" b="1" kern="100" dirty="0">
                 <a:effectLst/>
                 <a:latin typeface="Aptos" panose="020B0004020202020204" pitchFamily="34" charset="0"/>
                 <a:ea typeface="Aptos" panose="020B0004020202020204" pitchFamily="34" charset="0"/>
                 <a:cs typeface="Arial" panose="020B0604020202020204" pitchFamily="34" charset="0"/>
               </a:rPr>
-              <a:t>Similar and Dissimilar Sessions</a:t>
-            </a:r>
-            <a:r>
-              <a:rPr lang="ru-RU" sz="1800" b="1" kern="100" dirty="0">
-                <a:effectLst/>
-                <a:latin typeface="Aptos" panose="020B0004020202020204" pitchFamily="34" charset="0"/>
-                <a:ea typeface="Aptos" panose="020B0004020202020204" pitchFamily="34" charset="0"/>
-                <a:cs typeface="Arial" panose="020B0604020202020204" pitchFamily="34" charset="0"/>
-              </a:rPr>
-              <a:t> </a:t>
-            </a:r>
-            <a:r>
-              <a:rPr lang="en-US" sz="1800" b="1" kern="100" dirty="0">
-                <a:effectLst/>
-                <a:latin typeface="Aptos" panose="020B0004020202020204" pitchFamily="34" charset="0"/>
-                <a:ea typeface="Aptos" panose="020B0004020202020204" pitchFamily="34" charset="0"/>
-                <a:cs typeface="Arial" panose="020B0604020202020204" pitchFamily="34" charset="0"/>
-              </a:rPr>
-              <a:t>in </a:t>
-            </a:r>
-            <a:r>
-              <a:rPr lang="en-IL" sz="1800" b="1" kern="100" dirty="0">
-                <a:effectLst/>
-                <a:latin typeface="Aptos" panose="020B0004020202020204" pitchFamily="34" charset="0"/>
-                <a:ea typeface="Aptos" panose="020B0004020202020204" pitchFamily="34" charset="0"/>
-                <a:cs typeface="Arial" panose="020B0604020202020204" pitchFamily="34" charset="0"/>
-              </a:rPr>
-              <a:t>Database</a:t>
+              <a:t>Analyse Emotional Tone of Voice</a:t>
             </a:r>
             <a:endParaRPr lang="en-IL" sz="1800" kern="100" dirty="0">
               <a:effectLst/>
@@ -5787,10 +5736,10 @@
       </p:sp>
       <p:sp>
         <p:nvSpPr>
-          <p:cNvPr id="16" name="TextBox 15">
-            <a:extLst>
-              <a:ext uri="{FF2B5EF4-FFF2-40B4-BE49-F238E27FC236}">
-                <a16:creationId xmlns:a16="http://schemas.microsoft.com/office/drawing/2014/main" id="{513DBB00-220F-CCE2-C415-EFED84E1C90A}"/>
+          <p:cNvPr id="13" name="TextBox 12">
+            <a:extLst>
+              <a:ext uri="{FF2B5EF4-FFF2-40B4-BE49-F238E27FC236}">
+                <a16:creationId xmlns:a16="http://schemas.microsoft.com/office/drawing/2014/main" id="{6DBA4B38-DF79-4DB7-7D98-293A54098977}"/>
               </a:ext>
             </a:extLst>
           </p:cNvPr>
@@ -5799,8 +5748,8 @@
         </p:nvSpPr>
         <p:spPr>
           <a:xfrm>
-            <a:off x="9516233" y="1023877"/>
-            <a:ext cx="2426869" cy="2862322"/>
+            <a:off x="7075405" y="1045379"/>
+            <a:ext cx="1770446" cy="1350819"/>
           </a:xfrm>
           <a:prstGeom prst="rect">
             <a:avLst/>
@@ -5822,6 +5771,107 @@
           </a:bodyPr>
           <a:lstStyle/>
           <a:p>
+            <a:pPr lvl="0">
+              <a:lnSpc>
+                <a:spcPct val="115000"/>
+              </a:lnSpc>
+              <a:spcAft>
+                <a:spcPts val="800"/>
+              </a:spcAft>
+              <a:tabLst>
+                <a:tab pos="457200" algn="l"/>
+              </a:tabLst>
+            </a:pPr>
+            <a:r>
+              <a:rPr lang="en-US" b="1" kern="100" dirty="0">
+                <a:latin typeface="Aptos" panose="020B0004020202020204" pitchFamily="34" charset="0"/>
+                <a:ea typeface="Aptos" panose="020B0004020202020204" pitchFamily="34" charset="0"/>
+                <a:cs typeface="Arial" panose="020B0604020202020204" pitchFamily="34" charset="0"/>
+              </a:rPr>
+              <a:t>Search </a:t>
+            </a:r>
+            <a:r>
+              <a:rPr lang="en-IL" sz="1800" b="1" kern="100" dirty="0">
+                <a:effectLst/>
+                <a:latin typeface="Aptos" panose="020B0004020202020204" pitchFamily="34" charset="0"/>
+                <a:ea typeface="Aptos" panose="020B0004020202020204" pitchFamily="34" charset="0"/>
+                <a:cs typeface="Arial" panose="020B0604020202020204" pitchFamily="34" charset="0"/>
+              </a:rPr>
+              <a:t>Similar and Dissimilar Sessions</a:t>
+            </a:r>
+            <a:r>
+              <a:rPr lang="ru-RU" sz="1800" b="1" kern="100" dirty="0">
+                <a:effectLst/>
+                <a:latin typeface="Aptos" panose="020B0004020202020204" pitchFamily="34" charset="0"/>
+                <a:ea typeface="Aptos" panose="020B0004020202020204" pitchFamily="34" charset="0"/>
+                <a:cs typeface="Arial" panose="020B0604020202020204" pitchFamily="34" charset="0"/>
+              </a:rPr>
+              <a:t> </a:t>
+            </a:r>
+            <a:r>
+              <a:rPr lang="en-US" sz="1800" b="1" kern="100" dirty="0">
+                <a:effectLst/>
+                <a:latin typeface="Aptos" panose="020B0004020202020204" pitchFamily="34" charset="0"/>
+                <a:ea typeface="Aptos" panose="020B0004020202020204" pitchFamily="34" charset="0"/>
+                <a:cs typeface="Arial" panose="020B0604020202020204" pitchFamily="34" charset="0"/>
+              </a:rPr>
+              <a:t>in </a:t>
+            </a:r>
+            <a:r>
+              <a:rPr lang="en-IL" sz="1800" b="1" kern="100" dirty="0">
+                <a:effectLst/>
+                <a:latin typeface="Aptos" panose="020B0004020202020204" pitchFamily="34" charset="0"/>
+                <a:ea typeface="Aptos" panose="020B0004020202020204" pitchFamily="34" charset="0"/>
+                <a:cs typeface="Arial" panose="020B0604020202020204" pitchFamily="34" charset="0"/>
+              </a:rPr>
+              <a:t>Database</a:t>
+            </a:r>
+            <a:endParaRPr lang="en-IL" sz="1800" kern="100" dirty="0">
+              <a:effectLst/>
+              <a:latin typeface="Aptos" panose="020B0004020202020204" pitchFamily="34" charset="0"/>
+              <a:ea typeface="Aptos" panose="020B0004020202020204" pitchFamily="34" charset="0"/>
+              <a:cs typeface="Arial" panose="020B0604020202020204" pitchFamily="34" charset="0"/>
+            </a:endParaRPr>
+          </a:p>
+        </p:txBody>
+      </p:sp>
+      <p:sp>
+        <p:nvSpPr>
+          <p:cNvPr id="16" name="TextBox 15">
+            <a:extLst>
+              <a:ext uri="{FF2B5EF4-FFF2-40B4-BE49-F238E27FC236}">
+                <a16:creationId xmlns:a16="http://schemas.microsoft.com/office/drawing/2014/main" id="{4144C592-DADA-A1C3-1C7B-C4E87B9E52DC}"/>
+              </a:ext>
+            </a:extLst>
+          </p:cNvPr>
+          <p:cNvSpPr txBox="1"/>
+          <p:nvPr/>
+        </p:nvSpPr>
+        <p:spPr>
+          <a:xfrm>
+            <a:off x="9516233" y="1023877"/>
+            <a:ext cx="2426869" cy="3139321"/>
+          </a:xfrm>
+          <a:prstGeom prst="rect">
+            <a:avLst/>
+          </a:prstGeom>
+          <a:noFill/>
+          <a:ln w="19050">
+            <a:solidFill>
+              <a:schemeClr val="accent1"/>
+            </a:solidFill>
+          </a:ln>
+          <a:effectLst>
+            <a:reflection endPos="0" dist="50800" dir="5400000" sy="-100000" algn="bl" rotWithShape="0"/>
+            <a:softEdge rad="0"/>
+          </a:effectLst>
+        </p:spPr>
+        <p:txBody>
+          <a:bodyPr wrap="square" rtlCol="0">
+            <a:spAutoFit/>
+          </a:bodyPr>
+          <a:lstStyle/>
+          <a:p>
             <a:r>
               <a:rPr lang="en-US" b="1" dirty="0"/>
               <a:t>Fine-tuned LLM</a:t>
@@ -5869,7 +5919,24 @@
                 <a:ea typeface="Aptos" panose="020B0004020202020204" pitchFamily="34" charset="0"/>
                 <a:cs typeface="Arial" panose="020B0604020202020204" pitchFamily="34" charset="0"/>
               </a:rPr>
-              <a:t>: current session transcript, patient information, summary of the previous session, similar</a:t>
+              <a:t>: current session transcript, patient information, </a:t>
+            </a:r>
+            <a:r>
+              <a:rPr lang="en-US" kern="100" dirty="0">
+                <a:latin typeface="Aptos" panose="020B0004020202020204" pitchFamily="34" charset="0"/>
+                <a:ea typeface="Aptos" panose="020B0004020202020204" pitchFamily="34" charset="0"/>
+                <a:cs typeface="Arial" panose="020B0604020202020204" pitchFamily="34" charset="0"/>
+              </a:rPr>
+              <a:t>diagnosis, </a:t>
+            </a:r>
+            <a:r>
+              <a:rPr lang="en-IL" sz="1800" kern="100" dirty="0">
+                <a:effectLst/>
+                <a:latin typeface="Aptos" panose="020B0004020202020204" pitchFamily="34" charset="0"/>
+                <a:ea typeface="Aptos" panose="020B0004020202020204" pitchFamily="34" charset="0"/>
+                <a:cs typeface="Arial" panose="020B0604020202020204" pitchFamily="34" charset="0"/>
+              </a:rPr>
+              <a:t>summary of the previous session, similar</a:t>
             </a:r>
             <a:r>
               <a:rPr lang="en-US" sz="1800" kern="100" dirty="0">
@@ -5915,7 +5982,7 @@
           <p:cNvPr id="15" name="Picture 14">
             <a:extLst>
               <a:ext uri="{FF2B5EF4-FFF2-40B4-BE49-F238E27FC236}">
-                <a16:creationId xmlns:a16="http://schemas.microsoft.com/office/drawing/2014/main" id="{DDD6FF35-9370-FA73-D5CA-3E483F3C7D65}"/>
+                <a16:creationId xmlns:a16="http://schemas.microsoft.com/office/drawing/2014/main" id="{C154EED9-722D-2E9E-2341-8B19AA617544}"/>
               </a:ext>
             </a:extLst>
           </p:cNvPr>
@@ -5945,7 +6012,7 @@
           <p:cNvPr id="21" name="Connector: Elbow 20">
             <a:extLst>
               <a:ext uri="{FF2B5EF4-FFF2-40B4-BE49-F238E27FC236}">
-                <a16:creationId xmlns:a16="http://schemas.microsoft.com/office/drawing/2014/main" id="{27759B76-AA32-B802-95C2-BBF58687726F}"/>
+                <a16:creationId xmlns:a16="http://schemas.microsoft.com/office/drawing/2014/main" id="{FE0A5EB0-D757-E34A-63CA-CC4304C51DC2}"/>
               </a:ext>
             </a:extLst>
           </p:cNvPr>
@@ -5959,7 +6026,7 @@
         <p:spPr>
           <a:xfrm>
             <a:off x="8845851" y="1720789"/>
-            <a:ext cx="670382" cy="734249"/>
+            <a:ext cx="670382" cy="872749"/>
           </a:xfrm>
           <a:prstGeom prst="bentConnector3">
             <a:avLst/>
@@ -5988,7 +6055,7 @@
           <p:cNvPr id="25" name="Connector: Elbow 24">
             <a:extLst>
               <a:ext uri="{FF2B5EF4-FFF2-40B4-BE49-F238E27FC236}">
-                <a16:creationId xmlns:a16="http://schemas.microsoft.com/office/drawing/2014/main" id="{9646515E-61DD-D5B6-06EC-0D6D2AB603BB}"/>
+                <a16:creationId xmlns:a16="http://schemas.microsoft.com/office/drawing/2014/main" id="{2C51E80B-CE26-DEB6-B97D-5DD08B02B0DB}"/>
               </a:ext>
             </a:extLst>
           </p:cNvPr>
@@ -6001,8 +6068,8 @@
         </p:nvCxnSpPr>
         <p:spPr>
           <a:xfrm flipV="1">
-            <a:off x="8845851" y="2455038"/>
-            <a:ext cx="670382" cy="645384"/>
+            <a:off x="8845851" y="2593538"/>
+            <a:ext cx="670382" cy="506884"/>
           </a:xfrm>
           <a:prstGeom prst="bentConnector3">
             <a:avLst>
@@ -6033,7 +6100,7 @@
           <p:cNvPr id="29" name="Connector: Elbow 28">
             <a:extLst>
               <a:ext uri="{FF2B5EF4-FFF2-40B4-BE49-F238E27FC236}">
-                <a16:creationId xmlns:a16="http://schemas.microsoft.com/office/drawing/2014/main" id="{2C6E82B8-DF9B-C0A5-D2B6-00986CFCB63B}"/>
+                <a16:creationId xmlns:a16="http://schemas.microsoft.com/office/drawing/2014/main" id="{75632AAC-4AAB-65BC-307C-3F723C5FC16A}"/>
               </a:ext>
             </a:extLst>
           </p:cNvPr>
@@ -6078,7 +6145,7 @@
           <p:cNvPr id="32" name="Connector: Elbow 31">
             <a:extLst>
               <a:ext uri="{FF2B5EF4-FFF2-40B4-BE49-F238E27FC236}">
-                <a16:creationId xmlns:a16="http://schemas.microsoft.com/office/drawing/2014/main" id="{24B014C0-1659-CF83-EC1A-873D43696082}"/>
+                <a16:creationId xmlns:a16="http://schemas.microsoft.com/office/drawing/2014/main" id="{E05B50D7-096C-C387-31C9-00DA8DA81C48}"/>
               </a:ext>
             </a:extLst>
           </p:cNvPr>
@@ -6123,25 +6190,26 @@
           <p:cNvPr id="35" name="Connector: Elbow 34">
             <a:extLst>
               <a:ext uri="{FF2B5EF4-FFF2-40B4-BE49-F238E27FC236}">
-                <a16:creationId xmlns:a16="http://schemas.microsoft.com/office/drawing/2014/main" id="{C6269186-4C79-F82C-2E2D-F475ED5DE567}"/>
+                <a16:creationId xmlns:a16="http://schemas.microsoft.com/office/drawing/2014/main" id="{2128B208-648C-E655-B7EE-EE9D6573B278}"/>
               </a:ext>
             </a:extLst>
           </p:cNvPr>
           <p:cNvCxnSpPr>
             <a:cxnSpLocks/>
             <a:stCxn id="16" idx="2"/>
+            <a:endCxn id="19" idx="3"/>
           </p:cNvCxnSpPr>
           <p:nvPr/>
         </p:nvCxnSpPr>
         <p:spPr>
           <a:xfrm rot="5400000" flipH="1">
-            <a:off x="8421069" y="1577600"/>
-            <a:ext cx="302594" cy="4314604"/>
+            <a:off x="8361485" y="1795016"/>
+            <a:ext cx="446375" cy="4289991"/>
           </a:xfrm>
           <a:prstGeom prst="bentConnector4">
             <a:avLst>
-              <a:gd name="adj1" fmla="val -124816"/>
-              <a:gd name="adj2" fmla="val 91705"/>
+              <a:gd name="adj1" fmla="val -51213"/>
+              <a:gd name="adj2" fmla="val 92228"/>
             </a:avLst>
           </a:prstGeom>
           <a:ln>
@@ -6168,7 +6236,7 @@
           <p:cNvPr id="41" name="Connector: Elbow 40">
             <a:extLst>
               <a:ext uri="{FF2B5EF4-FFF2-40B4-BE49-F238E27FC236}">
-                <a16:creationId xmlns:a16="http://schemas.microsoft.com/office/drawing/2014/main" id="{AA023E56-FB45-44F8-EADE-01C9F33941D3}"/>
+                <a16:creationId xmlns:a16="http://schemas.microsoft.com/office/drawing/2014/main" id="{962504FA-441F-E62C-0911-CEA6E7BAF089}"/>
               </a:ext>
             </a:extLst>
           </p:cNvPr>
@@ -6180,9 +6248,9 @@
           <p:nvPr/>
         </p:nvCxnSpPr>
         <p:spPr>
-          <a:xfrm rot="5400000" flipH="1" flipV="1">
-            <a:off x="5408614" y="2820784"/>
-            <a:ext cx="539701" cy="2"/>
+          <a:xfrm rot="16200000" flipV="1">
+            <a:off x="5328076" y="2901323"/>
+            <a:ext cx="704224" cy="3445"/>
           </a:xfrm>
           <a:prstGeom prst="bentConnector3">
             <a:avLst>
@@ -6213,7 +6281,7 @@
           <p:cNvPr id="48" name="Connector: Elbow 47">
             <a:extLst>
               <a:ext uri="{FF2B5EF4-FFF2-40B4-BE49-F238E27FC236}">
-                <a16:creationId xmlns:a16="http://schemas.microsoft.com/office/drawing/2014/main" id="{455EFCDC-C7D5-583D-1342-28910B0383AF}"/>
+                <a16:creationId xmlns:a16="http://schemas.microsoft.com/office/drawing/2014/main" id="{A952CDC3-F3E8-E846-D42B-CD3CA3E4194E}"/>
               </a:ext>
             </a:extLst>
           </p:cNvPr>
@@ -6258,7 +6326,7 @@
           <p:cNvPr id="51" name="Connector: Elbow 50">
             <a:extLst>
               <a:ext uri="{FF2B5EF4-FFF2-40B4-BE49-F238E27FC236}">
-                <a16:creationId xmlns:a16="http://schemas.microsoft.com/office/drawing/2014/main" id="{C668357E-9697-9C80-38C8-E3AEF262CF49}"/>
+                <a16:creationId xmlns:a16="http://schemas.microsoft.com/office/drawing/2014/main" id="{9F5A437F-A70E-98D3-6FDA-9A9566C80B42}"/>
               </a:ext>
             </a:extLst>
           </p:cNvPr>
@@ -6298,60 +6366,10 @@
           </a:fontRef>
         </p:style>
       </p:cxnSp>
-      <p:sp>
-        <p:nvSpPr>
-          <p:cNvPr id="19" name="TextBox 18">
-            <a:extLst>
-              <a:ext uri="{FF2B5EF4-FFF2-40B4-BE49-F238E27FC236}">
-                <a16:creationId xmlns:a16="http://schemas.microsoft.com/office/drawing/2014/main" id="{5E5A83FE-9CFB-5207-05D2-2C44EBBFFD9B}"/>
-              </a:ext>
-            </a:extLst>
-          </p:cNvPr>
-          <p:cNvSpPr txBox="1"/>
-          <p:nvPr/>
-        </p:nvSpPr>
-        <p:spPr>
-          <a:xfrm>
-            <a:off x="4920696" y="3090635"/>
-            <a:ext cx="1515534" cy="923330"/>
-          </a:xfrm>
-          <a:prstGeom prst="rect">
-            <a:avLst/>
-          </a:prstGeom>
-          <a:noFill/>
-          <a:ln w="19050">
-            <a:solidFill>
-              <a:schemeClr val="accent1"/>
-            </a:solidFill>
-          </a:ln>
-          <a:effectLst>
-            <a:reflection endPos="0" dist="50800" dir="5400000" sy="-100000" algn="bl" rotWithShape="0"/>
-            <a:softEdge rad="0"/>
-          </a:effectLst>
-        </p:spPr>
-        <p:txBody>
-          <a:bodyPr wrap="square" rtlCol="0">
-            <a:spAutoFit/>
-          </a:bodyPr>
-          <a:lstStyle/>
-          <a:p>
-            <a:r>
-              <a:rPr lang="en-US" sz="1800" b="1" kern="100" dirty="0">
-                <a:effectLst/>
-                <a:latin typeface="Aptos" panose="020B0004020202020204" pitchFamily="34" charset="0"/>
-                <a:ea typeface="Aptos" panose="020B0004020202020204" pitchFamily="34" charset="0"/>
-                <a:cs typeface="Arial" panose="020B0604020202020204" pitchFamily="34" charset="0"/>
-              </a:rPr>
-              <a:t>Speak LLM answer to Patient</a:t>
-            </a:r>
-            <a:endParaRPr lang="en-IL" dirty="0"/>
-          </a:p>
-        </p:txBody>
-      </p:sp>
     </p:spTree>
     <p:extLst>
       <p:ext uri="{BB962C8B-B14F-4D97-AF65-F5344CB8AC3E}">
-        <p14:creationId xmlns:p14="http://schemas.microsoft.com/office/powerpoint/2010/main" val="716849832"/>
+        <p14:creationId xmlns:p14="http://schemas.microsoft.com/office/powerpoint/2010/main" val="1445776141"/>
       </p:ext>
     </p:extLst>
   </p:cSld>
@@ -6369,7 +6387,7 @@
         <p:cNvPr id="1" name="">
           <a:extLst>
             <a:ext uri="{FF2B5EF4-FFF2-40B4-BE49-F238E27FC236}">
-              <a16:creationId xmlns:a16="http://schemas.microsoft.com/office/drawing/2014/main" id="{B46F787D-CA41-9D95-FD65-27369EB8A6E3}"/>
+              <a16:creationId xmlns:a16="http://schemas.microsoft.com/office/drawing/2014/main" id="{8700D05A-93D7-577F-77CC-1B9B2B1FF9BD}"/>
             </a:ext>
           </a:extLst>
         </p:cNvPr>
@@ -6389,7 +6407,7 @@
           <p:cNvPr id="1034" name="Picture 1033">
             <a:extLst>
               <a:ext uri="{FF2B5EF4-FFF2-40B4-BE49-F238E27FC236}">
-                <a16:creationId xmlns:a16="http://schemas.microsoft.com/office/drawing/2014/main" id="{94BC8B16-909C-6FDF-0F19-1DC8F8580144}"/>
+                <a16:creationId xmlns:a16="http://schemas.microsoft.com/office/drawing/2014/main" id="{6BA034D7-6792-5286-2B04-03DF8517CE8B}"/>
               </a:ext>
             </a:extLst>
           </p:cNvPr>
@@ -6406,7 +6424,7 @@
         </p:blipFill>
         <p:spPr>
           <a:xfrm flipH="1" flipV="1">
-            <a:off x="5942617" y="3583605"/>
+            <a:off x="5942617" y="3734217"/>
             <a:ext cx="455911" cy="420421"/>
           </a:xfrm>
           <a:prstGeom prst="rect">
@@ -6416,81 +6434,10 @@
       </p:pic>
       <p:sp>
         <p:nvSpPr>
-          <p:cNvPr id="2" name="Title 1">
-            <a:extLst>
-              <a:ext uri="{FF2B5EF4-FFF2-40B4-BE49-F238E27FC236}">
-                <a16:creationId xmlns:a16="http://schemas.microsoft.com/office/drawing/2014/main" id="{69B59632-41BC-C2BB-488F-88A7E58F1279}"/>
-              </a:ext>
-            </a:extLst>
-          </p:cNvPr>
-          <p:cNvSpPr>
-            <a:spLocks noGrp="1"/>
-          </p:cNvSpPr>
-          <p:nvPr>
-            <p:ph type="title"/>
-          </p:nvPr>
-        </p:nvSpPr>
-        <p:spPr>
-          <a:xfrm>
-            <a:off x="838200" y="119317"/>
-            <a:ext cx="10515600" cy="551156"/>
-          </a:xfrm>
-        </p:spPr>
-        <p:txBody>
-          <a:bodyPr>
-            <a:normAutofit/>
-          </a:bodyPr>
-          <a:lstStyle/>
-          <a:p>
-            <a:r>
-              <a:rPr lang="en-US" sz="3200" b="1" dirty="0">
-                <a:solidFill>
-                  <a:srgbClr val="000000"/>
-                </a:solidFill>
-                <a:latin typeface="Arial" panose="020B0604020202020204" pitchFamily="34" charset="0"/>
-              </a:rPr>
-              <a:t>Program operation scheme</a:t>
-            </a:r>
-            <a:endParaRPr lang="en-IL" sz="3200" dirty="0"/>
-          </a:p>
-        </p:txBody>
-      </p:sp>
-      <p:pic>
-        <p:nvPicPr>
-          <p:cNvPr id="7" name="Picture 6">
-            <a:extLst>
-              <a:ext uri="{FF2B5EF4-FFF2-40B4-BE49-F238E27FC236}">
-                <a16:creationId xmlns:a16="http://schemas.microsoft.com/office/drawing/2014/main" id="{10F1C43C-D3FD-952C-17A4-D91521CF5690}"/>
-              </a:ext>
-            </a:extLst>
-          </p:cNvPr>
-          <p:cNvPicPr>
-            <a:picLocks noChangeAspect="1"/>
-          </p:cNvPicPr>
-          <p:nvPr/>
-        </p:nvPicPr>
-        <p:blipFill>
-          <a:blip r:embed="rId4"/>
-          <a:stretch>
-            <a:fillRect/>
-          </a:stretch>
-        </p:blipFill>
-        <p:spPr>
-          <a:xfrm>
-            <a:off x="279133" y="737419"/>
-            <a:ext cx="11633734" cy="119871"/>
-          </a:xfrm>
-          <a:prstGeom prst="rect">
-            <a:avLst/>
-          </a:prstGeom>
-        </p:spPr>
-      </p:pic>
-      <p:sp>
-        <p:nvSpPr>
-          <p:cNvPr id="4" name="TextBox 3">
-            <a:extLst>
-              <a:ext uri="{FF2B5EF4-FFF2-40B4-BE49-F238E27FC236}">
-                <a16:creationId xmlns:a16="http://schemas.microsoft.com/office/drawing/2014/main" id="{A54DDBE6-1A13-5D74-74E3-AF6314679823}"/>
+          <p:cNvPr id="19" name="TextBox 18">
+            <a:extLst>
+              <a:ext uri="{FF2B5EF4-FFF2-40B4-BE49-F238E27FC236}">
+                <a16:creationId xmlns:a16="http://schemas.microsoft.com/office/drawing/2014/main" id="{625D95C0-7B66-5A23-FEC7-BD05861BE2E1}"/>
               </a:ext>
             </a:extLst>
           </p:cNvPr>
@@ -6499,54 +6446,8 @@
         </p:nvSpPr>
         <p:spPr>
           <a:xfrm>
-            <a:off x="11353800" y="194840"/>
-            <a:ext cx="559066" cy="400110"/>
-          </a:xfrm>
-          <a:prstGeom prst="rect">
-            <a:avLst/>
-          </a:prstGeom>
-          <a:noFill/>
-          <a:ln>
-            <a:solidFill>
-              <a:schemeClr val="accent1"/>
-            </a:solidFill>
-          </a:ln>
-        </p:spPr>
-        <p:txBody>
-          <a:bodyPr wrap="square" rtlCol="0">
-            <a:spAutoFit/>
-          </a:bodyPr>
-          <a:lstStyle/>
-          <a:p>
-            <a:pPr algn="ctr"/>
-            <a:r>
-              <a:rPr lang="en-US" sz="2000" b="1" dirty="0"/>
-              <a:t>1</a:t>
-            </a:r>
-            <a:r>
-              <a:rPr lang="ru-RU" sz="2000" b="1" dirty="0"/>
-              <a:t>0</a:t>
-            </a:r>
-            <a:endParaRPr lang="en-IL" sz="2000" b="1" dirty="0"/>
-          </a:p>
-        </p:txBody>
-      </p:sp>
-      <p:sp>
-        <p:nvSpPr>
-          <p:cNvPr id="8" name="TextBox 7">
-            <a:extLst>
-              <a:ext uri="{FF2B5EF4-FFF2-40B4-BE49-F238E27FC236}">
-                <a16:creationId xmlns:a16="http://schemas.microsoft.com/office/drawing/2014/main" id="{7B93F3E7-63F5-8CA9-6F0B-806599AA1526}"/>
-              </a:ext>
-            </a:extLst>
-          </p:cNvPr>
-          <p:cNvSpPr txBox="1"/>
-          <p:nvPr/>
-        </p:nvSpPr>
-        <p:spPr>
-          <a:xfrm>
-            <a:off x="2723653" y="1040842"/>
-            <a:ext cx="1515534" cy="1669368"/>
+            <a:off x="4924143" y="3255158"/>
+            <a:ext cx="1515534" cy="923330"/>
           </a:xfrm>
           <a:prstGeom prst="rect">
             <a:avLst/>
@@ -6568,41 +6469,96 @@
           </a:bodyPr>
           <a:lstStyle/>
           <a:p>
-            <a:pPr lvl="0">
-              <a:lnSpc>
-                <a:spcPct val="115000"/>
-              </a:lnSpc>
-              <a:spcAft>
-                <a:spcPts val="800"/>
-              </a:spcAft>
-              <a:tabLst>
-                <a:tab pos="457200" algn="l"/>
-              </a:tabLst>
-            </a:pPr>
-            <a:r>
-              <a:rPr lang="en-IL" sz="1800" b="1" kern="100" dirty="0">
+            <a:r>
+              <a:rPr lang="en-US" sz="1800" b="1" kern="100" dirty="0">
                 <a:effectLst/>
                 <a:latin typeface="Aptos" panose="020B0004020202020204" pitchFamily="34" charset="0"/>
                 <a:ea typeface="Aptos" panose="020B0004020202020204" pitchFamily="34" charset="0"/>
                 <a:cs typeface="Arial" panose="020B0604020202020204" pitchFamily="34" charset="0"/>
               </a:rPr>
-              <a:t>Retrieve Patient Information from Database</a:t>
-            </a:r>
-            <a:endParaRPr lang="en-IL" sz="1800" kern="100" dirty="0">
-              <a:effectLst/>
-              <a:latin typeface="Aptos" panose="020B0004020202020204" pitchFamily="34" charset="0"/>
-              <a:ea typeface="Aptos" panose="020B0004020202020204" pitchFamily="34" charset="0"/>
-              <a:cs typeface="Arial" panose="020B0604020202020204" pitchFamily="34" charset="0"/>
-            </a:endParaRPr>
-          </a:p>
-        </p:txBody>
-      </p:sp>
-      <p:sp>
-        <p:nvSpPr>
-          <p:cNvPr id="10" name="TextBox 9">
-            <a:extLst>
-              <a:ext uri="{FF2B5EF4-FFF2-40B4-BE49-F238E27FC236}">
-                <a16:creationId xmlns:a16="http://schemas.microsoft.com/office/drawing/2014/main" id="{12B715ED-880F-A433-EB07-6FD0217061DC}"/>
+              <a:t>Speak LLM answer to Patient</a:t>
+            </a:r>
+            <a:endParaRPr lang="en-IL" dirty="0"/>
+          </a:p>
+        </p:txBody>
+      </p:sp>
+      <p:sp>
+        <p:nvSpPr>
+          <p:cNvPr id="2" name="Title 1">
+            <a:extLst>
+              <a:ext uri="{FF2B5EF4-FFF2-40B4-BE49-F238E27FC236}">
+                <a16:creationId xmlns:a16="http://schemas.microsoft.com/office/drawing/2014/main" id="{049D4D71-57D0-12B5-8342-1241E42F6DB5}"/>
+              </a:ext>
+            </a:extLst>
+          </p:cNvPr>
+          <p:cNvSpPr>
+            <a:spLocks noGrp="1"/>
+          </p:cNvSpPr>
+          <p:nvPr>
+            <p:ph type="title"/>
+          </p:nvPr>
+        </p:nvSpPr>
+        <p:spPr>
+          <a:xfrm>
+            <a:off x="838200" y="119317"/>
+            <a:ext cx="10515600" cy="551156"/>
+          </a:xfrm>
+        </p:spPr>
+        <p:txBody>
+          <a:bodyPr>
+            <a:normAutofit/>
+          </a:bodyPr>
+          <a:lstStyle/>
+          <a:p>
+            <a:r>
+              <a:rPr lang="en-US" sz="3200" b="1" dirty="0">
+                <a:solidFill>
+                  <a:srgbClr val="000000"/>
+                </a:solidFill>
+                <a:latin typeface="Arial" panose="020B0604020202020204" pitchFamily="34" charset="0"/>
+              </a:rPr>
+              <a:t>Program operation scheme</a:t>
+            </a:r>
+            <a:endParaRPr lang="en-IL" sz="3200" dirty="0"/>
+          </a:p>
+        </p:txBody>
+      </p:sp>
+      <p:pic>
+        <p:nvPicPr>
+          <p:cNvPr id="7" name="Picture 6">
+            <a:extLst>
+              <a:ext uri="{FF2B5EF4-FFF2-40B4-BE49-F238E27FC236}">
+                <a16:creationId xmlns:a16="http://schemas.microsoft.com/office/drawing/2014/main" id="{39CDACD0-BECE-FDF9-D1E1-D7DA40EF2B58}"/>
+              </a:ext>
+            </a:extLst>
+          </p:cNvPr>
+          <p:cNvPicPr>
+            <a:picLocks noChangeAspect="1"/>
+          </p:cNvPicPr>
+          <p:nvPr/>
+        </p:nvPicPr>
+        <p:blipFill>
+          <a:blip r:embed="rId4"/>
+          <a:stretch>
+            <a:fillRect/>
+          </a:stretch>
+        </p:blipFill>
+        <p:spPr>
+          <a:xfrm>
+            <a:off x="279133" y="737419"/>
+            <a:ext cx="11633734" cy="119871"/>
+          </a:xfrm>
+          <a:prstGeom prst="rect">
+            <a:avLst/>
+          </a:prstGeom>
+        </p:spPr>
+      </p:pic>
+      <p:sp>
+        <p:nvSpPr>
+          <p:cNvPr id="4" name="TextBox 3">
+            <a:extLst>
+              <a:ext uri="{FF2B5EF4-FFF2-40B4-BE49-F238E27FC236}">
+                <a16:creationId xmlns:a16="http://schemas.microsoft.com/office/drawing/2014/main" id="{4CC5F923-8ADC-A1D8-FB56-36F338B76B0B}"/>
               </a:ext>
             </a:extLst>
           </p:cNvPr>
@@ -6611,8 +6567,54 @@
         </p:nvSpPr>
         <p:spPr>
           <a:xfrm>
-            <a:off x="292927" y="1275359"/>
-            <a:ext cx="1752722" cy="1200329"/>
+            <a:off x="11353800" y="194840"/>
+            <a:ext cx="559066" cy="400110"/>
+          </a:xfrm>
+          <a:prstGeom prst="rect">
+            <a:avLst/>
+          </a:prstGeom>
+          <a:noFill/>
+          <a:ln>
+            <a:solidFill>
+              <a:schemeClr val="accent1"/>
+            </a:solidFill>
+          </a:ln>
+        </p:spPr>
+        <p:txBody>
+          <a:bodyPr wrap="square" rtlCol="0">
+            <a:spAutoFit/>
+          </a:bodyPr>
+          <a:lstStyle/>
+          <a:p>
+            <a:pPr algn="ctr"/>
+            <a:r>
+              <a:rPr lang="en-US" sz="2000" b="1" dirty="0"/>
+              <a:t>1</a:t>
+            </a:r>
+            <a:r>
+              <a:rPr lang="ru-RU" sz="2000" b="1" dirty="0"/>
+              <a:t>0</a:t>
+            </a:r>
+            <a:endParaRPr lang="en-IL" sz="2000" b="1" dirty="0"/>
+          </a:p>
+        </p:txBody>
+      </p:sp>
+      <p:sp>
+        <p:nvSpPr>
+          <p:cNvPr id="8" name="TextBox 7">
+            <a:extLst>
+              <a:ext uri="{FF2B5EF4-FFF2-40B4-BE49-F238E27FC236}">
+                <a16:creationId xmlns:a16="http://schemas.microsoft.com/office/drawing/2014/main" id="{4C0F5580-07C4-E4CC-E87D-D0E9CE0E50F8}"/>
+              </a:ext>
+            </a:extLst>
+          </p:cNvPr>
+          <p:cNvSpPr txBox="1"/>
+          <p:nvPr/>
+        </p:nvSpPr>
+        <p:spPr>
+          <a:xfrm>
+            <a:off x="2723653" y="1040842"/>
+            <a:ext cx="1515534" cy="1669368"/>
           </a:xfrm>
           <a:prstGeom prst="rect">
             <a:avLst/>
@@ -6634,6 +6636,17 @@
           </a:bodyPr>
           <a:lstStyle/>
           <a:p>
+            <a:pPr lvl="0">
+              <a:lnSpc>
+                <a:spcPct val="115000"/>
+              </a:lnSpc>
+              <a:spcAft>
+                <a:spcPts val="800"/>
+              </a:spcAft>
+              <a:tabLst>
+                <a:tab pos="457200" algn="l"/>
+              </a:tabLst>
+            </a:pPr>
             <a:r>
               <a:rPr lang="en-IL" sz="1800" b="1" kern="100" dirty="0">
                 <a:effectLst/>
@@ -6641,22 +6654,23 @@
                 <a:ea typeface="Aptos" panose="020B0004020202020204" pitchFamily="34" charset="0"/>
                 <a:cs typeface="Arial" panose="020B0604020202020204" pitchFamily="34" charset="0"/>
               </a:rPr>
-              <a:t>Patient Identification or New Patient Registration</a:t>
-            </a:r>
-            <a:r>
-              <a:rPr lang="ru-RU" dirty="0"/>
-              <a:t> </a:t>
-            </a:r>
-            <a:endParaRPr lang="en-IL" dirty="0"/>
-          </a:p>
-        </p:txBody>
-      </p:sp>
-      <p:sp>
-        <p:nvSpPr>
-          <p:cNvPr id="5" name="TextBox 4">
-            <a:extLst>
-              <a:ext uri="{FF2B5EF4-FFF2-40B4-BE49-F238E27FC236}">
-                <a16:creationId xmlns:a16="http://schemas.microsoft.com/office/drawing/2014/main" id="{8A4B5609-42F1-879E-1985-C294F3E8947C}"/>
+              <a:t>Retrieve Patient Information from Database</a:t>
+            </a:r>
+            <a:endParaRPr lang="en-IL" sz="1800" kern="100" dirty="0">
+              <a:effectLst/>
+              <a:latin typeface="Aptos" panose="020B0004020202020204" pitchFamily="34" charset="0"/>
+              <a:ea typeface="Aptos" panose="020B0004020202020204" pitchFamily="34" charset="0"/>
+              <a:cs typeface="Arial" panose="020B0604020202020204" pitchFamily="34" charset="0"/>
+            </a:endParaRPr>
+          </a:p>
+        </p:txBody>
+      </p:sp>
+      <p:sp>
+        <p:nvSpPr>
+          <p:cNvPr id="10" name="TextBox 9">
+            <a:extLst>
+              <a:ext uri="{FF2B5EF4-FFF2-40B4-BE49-F238E27FC236}">
+                <a16:creationId xmlns:a16="http://schemas.microsoft.com/office/drawing/2014/main" id="{891F783D-C59E-2475-239A-E55D055F850D}"/>
               </a:ext>
             </a:extLst>
           </p:cNvPr>
@@ -6665,8 +6679,8 @@
         </p:nvSpPr>
         <p:spPr>
           <a:xfrm>
-            <a:off x="4920698" y="1200115"/>
-            <a:ext cx="1515534" cy="1350819"/>
+            <a:off x="292927" y="1275359"/>
+            <a:ext cx="1752722" cy="1200329"/>
           </a:xfrm>
           <a:prstGeom prst="rect">
             <a:avLst/>
@@ -6688,17 +6702,6 @@
           </a:bodyPr>
           <a:lstStyle/>
           <a:p>
-            <a:pPr lvl="0">
-              <a:lnSpc>
-                <a:spcPct val="115000"/>
-              </a:lnSpc>
-              <a:spcAft>
-                <a:spcPts val="800"/>
-              </a:spcAft>
-              <a:tabLst>
-                <a:tab pos="457200" algn="l"/>
-              </a:tabLst>
-            </a:pPr>
             <a:r>
               <a:rPr lang="en-IL" sz="1800" b="1" kern="100" dirty="0">
                 <a:effectLst/>
@@ -6706,23 +6709,22 @@
                 <a:ea typeface="Aptos" panose="020B0004020202020204" pitchFamily="34" charset="0"/>
                 <a:cs typeface="Arial" panose="020B0604020202020204" pitchFamily="34" charset="0"/>
               </a:rPr>
-              <a:t>Record and Recognize Patient’s Speech</a:t>
-            </a:r>
-            <a:endParaRPr lang="en-IL" sz="1800" kern="100" dirty="0">
-              <a:effectLst/>
-              <a:latin typeface="Aptos" panose="020B0004020202020204" pitchFamily="34" charset="0"/>
-              <a:ea typeface="Aptos" panose="020B0004020202020204" pitchFamily="34" charset="0"/>
-              <a:cs typeface="Arial" panose="020B0604020202020204" pitchFamily="34" charset="0"/>
-            </a:endParaRPr>
-          </a:p>
-        </p:txBody>
-      </p:sp>
-      <p:sp>
-        <p:nvSpPr>
-          <p:cNvPr id="6" name="TextBox 5">
-            <a:extLst>
-              <a:ext uri="{FF2B5EF4-FFF2-40B4-BE49-F238E27FC236}">
-                <a16:creationId xmlns:a16="http://schemas.microsoft.com/office/drawing/2014/main" id="{143F4352-AAE3-E165-A1E3-37A3D0BC9CBA}"/>
+              <a:t>Patient Identification or New Patient Registration</a:t>
+            </a:r>
+            <a:r>
+              <a:rPr lang="ru-RU" dirty="0"/>
+              <a:t> </a:t>
+            </a:r>
+            <a:endParaRPr lang="en-IL" dirty="0"/>
+          </a:p>
+        </p:txBody>
+      </p:sp>
+      <p:sp>
+        <p:nvSpPr>
+          <p:cNvPr id="5" name="TextBox 4">
+            <a:extLst>
+              <a:ext uri="{FF2B5EF4-FFF2-40B4-BE49-F238E27FC236}">
+                <a16:creationId xmlns:a16="http://schemas.microsoft.com/office/drawing/2014/main" id="{02564AF6-C762-FA9C-6AF8-12E345C24F7E}"/>
               </a:ext>
             </a:extLst>
           </p:cNvPr>
@@ -6731,8 +6733,8 @@
         </p:nvSpPr>
         <p:spPr>
           <a:xfrm>
-            <a:off x="7075404" y="2584287"/>
-            <a:ext cx="1770447" cy="1032270"/>
+            <a:off x="4920698" y="1200115"/>
+            <a:ext cx="1515534" cy="1350819"/>
           </a:xfrm>
           <a:prstGeom prst="rect">
             <a:avLst/>
@@ -6772,7 +6774,7 @@
                 <a:ea typeface="Aptos" panose="020B0004020202020204" pitchFamily="34" charset="0"/>
                 <a:cs typeface="Arial" panose="020B0604020202020204" pitchFamily="34" charset="0"/>
               </a:rPr>
-              <a:t>Analyse Emotional Tone of Voice</a:t>
+              <a:t>Record and Recognize Patient’s Speech</a:t>
             </a:r>
             <a:endParaRPr lang="en-IL" sz="1800" kern="100" dirty="0">
               <a:effectLst/>
@@ -6785,10 +6787,10 @@
       </p:sp>
       <p:sp>
         <p:nvSpPr>
-          <p:cNvPr id="13" name="TextBox 12">
-            <a:extLst>
-              <a:ext uri="{FF2B5EF4-FFF2-40B4-BE49-F238E27FC236}">
-                <a16:creationId xmlns:a16="http://schemas.microsoft.com/office/drawing/2014/main" id="{0E0F6B81-3CB8-D393-C50B-AF74878A4E07}"/>
+          <p:cNvPr id="6" name="TextBox 5">
+            <a:extLst>
+              <a:ext uri="{FF2B5EF4-FFF2-40B4-BE49-F238E27FC236}">
+                <a16:creationId xmlns:a16="http://schemas.microsoft.com/office/drawing/2014/main" id="{B057A59B-6FD2-D85E-58A4-96FA7C7766FD}"/>
               </a:ext>
             </a:extLst>
           </p:cNvPr>
@@ -6797,8 +6799,8 @@
         </p:nvSpPr>
         <p:spPr>
           <a:xfrm>
-            <a:off x="7075405" y="1045379"/>
-            <a:ext cx="1770446" cy="1350819"/>
+            <a:off x="7075404" y="2584287"/>
+            <a:ext cx="1770447" cy="1032270"/>
           </a:xfrm>
           <a:prstGeom prst="rect">
             <a:avLst/>
@@ -6832,48 +6834,13 @@
               </a:tabLst>
             </a:pPr>
             <a:r>
-              <a:rPr lang="en-US" b="1" kern="100" dirty="0">
-                <a:latin typeface="Aptos" panose="020B0004020202020204" pitchFamily="34" charset="0"/>
-                <a:ea typeface="Aptos" panose="020B0004020202020204" pitchFamily="34" charset="0"/>
-                <a:cs typeface="Arial" panose="020B0604020202020204" pitchFamily="34" charset="0"/>
-              </a:rPr>
-              <a:t>Search </a:t>
-            </a:r>
-            <a:r>
               <a:rPr lang="en-IL" sz="1800" b="1" kern="100" dirty="0">
                 <a:effectLst/>
                 <a:latin typeface="Aptos" panose="020B0004020202020204" pitchFamily="34" charset="0"/>
                 <a:ea typeface="Aptos" panose="020B0004020202020204" pitchFamily="34" charset="0"/>
                 <a:cs typeface="Arial" panose="020B0604020202020204" pitchFamily="34" charset="0"/>
               </a:rPr>
-              <a:t>Similar and Dissimilar Sessions</a:t>
-            </a:r>
-            <a:r>
-              <a:rPr lang="ru-RU" sz="1800" b="1" kern="100" dirty="0">
-                <a:effectLst/>
-                <a:latin typeface="Aptos" panose="020B0004020202020204" pitchFamily="34" charset="0"/>
-                <a:ea typeface="Aptos" panose="020B0004020202020204" pitchFamily="34" charset="0"/>
-                <a:cs typeface="Arial" panose="020B0604020202020204" pitchFamily="34" charset="0"/>
-              </a:rPr>
-              <a:t> </a:t>
-            </a:r>
-            <a:r>
-              <a:rPr lang="en-US" sz="1800" b="1" kern="100" dirty="0">
-                <a:effectLst/>
-                <a:latin typeface="Aptos" panose="020B0004020202020204" pitchFamily="34" charset="0"/>
-                <a:ea typeface="Aptos" panose="020B0004020202020204" pitchFamily="34" charset="0"/>
-                <a:cs typeface="Arial" panose="020B0604020202020204" pitchFamily="34" charset="0"/>
-              </a:rPr>
-              <a:t>in </a:t>
-            </a:r>
-            <a:r>
-              <a:rPr lang="en-IL" sz="1800" b="1" kern="100" dirty="0">
-                <a:effectLst/>
-                <a:latin typeface="Aptos" panose="020B0004020202020204" pitchFamily="34" charset="0"/>
-                <a:ea typeface="Aptos" panose="020B0004020202020204" pitchFamily="34" charset="0"/>
-                <a:cs typeface="Arial" panose="020B0604020202020204" pitchFamily="34" charset="0"/>
-              </a:rPr>
-              <a:t>Database</a:t>
+              <a:t>Analyse Emotional Tone of Voice</a:t>
             </a:r>
             <a:endParaRPr lang="en-IL" sz="1800" kern="100" dirty="0">
               <a:effectLst/>
@@ -6886,10 +6853,10 @@
       </p:sp>
       <p:sp>
         <p:nvSpPr>
-          <p:cNvPr id="16" name="TextBox 15">
-            <a:extLst>
-              <a:ext uri="{FF2B5EF4-FFF2-40B4-BE49-F238E27FC236}">
-                <a16:creationId xmlns:a16="http://schemas.microsoft.com/office/drawing/2014/main" id="{9D77EFDA-6DFB-35DE-3197-28AA26A907F6}"/>
+          <p:cNvPr id="13" name="TextBox 12">
+            <a:extLst>
+              <a:ext uri="{FF2B5EF4-FFF2-40B4-BE49-F238E27FC236}">
+                <a16:creationId xmlns:a16="http://schemas.microsoft.com/office/drawing/2014/main" id="{02F981EC-C95A-A7F1-8ADD-51A3B7D701E0}"/>
               </a:ext>
             </a:extLst>
           </p:cNvPr>
@@ -6898,8 +6865,8 @@
         </p:nvSpPr>
         <p:spPr>
           <a:xfrm>
-            <a:off x="9516233" y="1023877"/>
-            <a:ext cx="2426869" cy="2862322"/>
+            <a:off x="7075405" y="1045379"/>
+            <a:ext cx="1770446" cy="1350819"/>
           </a:xfrm>
           <a:prstGeom prst="rect">
             <a:avLst/>
@@ -6921,9 +6888,24 @@
           </a:bodyPr>
           <a:lstStyle/>
           <a:p>
-            <a:r>
-              <a:rPr lang="en-US" b="1" dirty="0"/>
-              <a:t>Fine-tuned LLM</a:t>
+            <a:pPr lvl="0">
+              <a:lnSpc>
+                <a:spcPct val="115000"/>
+              </a:lnSpc>
+              <a:spcAft>
+                <a:spcPts val="800"/>
+              </a:spcAft>
+              <a:tabLst>
+                <a:tab pos="457200" algn="l"/>
+              </a:tabLst>
+            </a:pPr>
+            <a:r>
+              <a:rPr lang="en-US" b="1" kern="100" dirty="0">
+                <a:latin typeface="Aptos" panose="020B0004020202020204" pitchFamily="34" charset="0"/>
+                <a:ea typeface="Aptos" panose="020B0004020202020204" pitchFamily="34" charset="0"/>
+                <a:cs typeface="Arial" panose="020B0604020202020204" pitchFamily="34" charset="0"/>
+              </a:rPr>
+              <a:t>Search </a:t>
             </a:r>
             <a:r>
               <a:rPr lang="en-IL" sz="1800" b="1" kern="100" dirty="0">
@@ -6932,19 +6914,10 @@
                 <a:ea typeface="Aptos" panose="020B0004020202020204" pitchFamily="34" charset="0"/>
                 <a:cs typeface="Arial" panose="020B0604020202020204" pitchFamily="34" charset="0"/>
               </a:rPr>
-              <a:t> “Psychologist” </a:t>
-            </a:r>
-            <a:r>
-              <a:rPr lang="en-IL" sz="1800" kern="100" dirty="0">
-                <a:effectLst/>
-                <a:latin typeface="Aptos" panose="020B0004020202020204" pitchFamily="34" charset="0"/>
-                <a:ea typeface="Aptos" panose="020B0004020202020204" pitchFamily="34" charset="0"/>
-                <a:cs typeface="Arial" panose="020B0604020202020204" pitchFamily="34" charset="0"/>
-              </a:rPr>
-              <a:t>Receives</a:t>
-            </a:r>
-            <a:r>
-              <a:rPr lang="ru-RU" sz="1800" kern="100" dirty="0">
+              <a:t>Similar and Dissimilar Sessions</a:t>
+            </a:r>
+            <a:r>
+              <a:rPr lang="ru-RU" sz="1800" b="1" kern="100" dirty="0">
                 <a:effectLst/>
                 <a:latin typeface="Aptos" panose="020B0004020202020204" pitchFamily="34" charset="0"/>
                 <a:ea typeface="Aptos" panose="020B0004020202020204" pitchFamily="34" charset="0"/>
@@ -6953,68 +6926,38 @@
               <a:t> </a:t>
             </a:r>
             <a:r>
-              <a:rPr lang="en-US" sz="1800" kern="100" dirty="0">
+              <a:rPr lang="en-US" sz="1800" b="1" kern="100" dirty="0">
                 <a:effectLst/>
                 <a:latin typeface="Aptos" panose="020B0004020202020204" pitchFamily="34" charset="0"/>
                 <a:ea typeface="Aptos" panose="020B0004020202020204" pitchFamily="34" charset="0"/>
                 <a:cs typeface="Arial" panose="020B0604020202020204" pitchFamily="34" charset="0"/>
               </a:rPr>
-              <a:t>for answer</a:t>
-            </a:r>
-            <a:r>
-              <a:rPr lang="en-IL" sz="1800" kern="100" dirty="0">
+              <a:t>in </a:t>
+            </a:r>
+            <a:r>
+              <a:rPr lang="en-IL" sz="1800" b="1" kern="100" dirty="0">
                 <a:effectLst/>
                 <a:latin typeface="Aptos" panose="020B0004020202020204" pitchFamily="34" charset="0"/>
                 <a:ea typeface="Aptos" panose="020B0004020202020204" pitchFamily="34" charset="0"/>
                 <a:cs typeface="Arial" panose="020B0604020202020204" pitchFamily="34" charset="0"/>
               </a:rPr>
-              <a:t>: current session transcript, patient information, summary of the previous session, similar</a:t>
-            </a:r>
-            <a:r>
-              <a:rPr lang="en-US" sz="1800" kern="100" dirty="0">
-                <a:effectLst/>
-                <a:latin typeface="Aptos" panose="020B0004020202020204" pitchFamily="34" charset="0"/>
-                <a:ea typeface="Aptos" panose="020B0004020202020204" pitchFamily="34" charset="0"/>
-                <a:cs typeface="Arial" panose="020B0604020202020204" pitchFamily="34" charset="0"/>
-              </a:rPr>
-              <a:t> and </a:t>
-            </a:r>
-            <a:r>
-              <a:rPr lang="en-IL" sz="1800" kern="100" dirty="0">
-                <a:effectLst/>
-                <a:latin typeface="Aptos" panose="020B0004020202020204" pitchFamily="34" charset="0"/>
-                <a:ea typeface="Aptos" panose="020B0004020202020204" pitchFamily="34" charset="0"/>
-                <a:cs typeface="Arial" panose="020B0604020202020204" pitchFamily="34" charset="0"/>
-              </a:rPr>
-              <a:t>dissimilar sessions</a:t>
-            </a:r>
-            <a:r>
-              <a:rPr lang="en-US" kern="100" dirty="0">
-                <a:latin typeface="Aptos" panose="020B0004020202020204" pitchFamily="34" charset="0"/>
-                <a:ea typeface="Aptos" panose="020B0004020202020204" pitchFamily="34" charset="0"/>
-                <a:cs typeface="Arial" panose="020B0604020202020204" pitchFamily="34" charset="0"/>
-              </a:rPr>
-              <a:t>, emotion description</a:t>
-            </a:r>
-            <a:r>
-              <a:rPr lang="en-IL" sz="1800" kern="100" dirty="0">
-                <a:effectLst/>
-                <a:latin typeface="Aptos" panose="020B0004020202020204" pitchFamily="34" charset="0"/>
-                <a:ea typeface="Aptos" panose="020B0004020202020204" pitchFamily="34" charset="0"/>
-                <a:cs typeface="Arial" panose="020B0604020202020204" pitchFamily="34" charset="0"/>
-              </a:rPr>
-              <a:t>.</a:t>
-            </a:r>
-            <a:endParaRPr lang="en-IL" dirty="0"/>
-          </a:p>
-        </p:txBody>
-      </p:sp>
-      <p:sp>
-        <p:nvSpPr>
-          <p:cNvPr id="17" name="TextBox 16">
-            <a:extLst>
-              <a:ext uri="{FF2B5EF4-FFF2-40B4-BE49-F238E27FC236}">
-                <a16:creationId xmlns:a16="http://schemas.microsoft.com/office/drawing/2014/main" id="{223DE7AB-A656-BE7E-2D76-A7E714423F88}"/>
+              <a:t>Database</a:t>
+            </a:r>
+            <a:endParaRPr lang="en-IL" sz="1800" kern="100" dirty="0">
+              <a:effectLst/>
+              <a:latin typeface="Aptos" panose="020B0004020202020204" pitchFamily="34" charset="0"/>
+              <a:ea typeface="Aptos" panose="020B0004020202020204" pitchFamily="34" charset="0"/>
+              <a:cs typeface="Arial" panose="020B0604020202020204" pitchFamily="34" charset="0"/>
+            </a:endParaRPr>
+          </a:p>
+        </p:txBody>
+      </p:sp>
+      <p:sp>
+        <p:nvSpPr>
+          <p:cNvPr id="16" name="TextBox 15">
+            <a:extLst>
+              <a:ext uri="{FF2B5EF4-FFF2-40B4-BE49-F238E27FC236}">
+                <a16:creationId xmlns:a16="http://schemas.microsoft.com/office/drawing/2014/main" id="{5FF374B2-009B-5D17-967C-EE7919F25A67}"/>
               </a:ext>
             </a:extLst>
           </p:cNvPr>
@@ -7023,8 +6966,8 @@
         </p:nvSpPr>
         <p:spPr>
           <a:xfrm>
-            <a:off x="2743531" y="4804144"/>
-            <a:ext cx="3690606" cy="1754326"/>
+            <a:off x="9516233" y="1023877"/>
+            <a:ext cx="2426869" cy="3139321"/>
           </a:xfrm>
           <a:prstGeom prst="rect">
             <a:avLst/>
@@ -7057,7 +7000,7 @@
                 <a:ea typeface="Aptos" panose="020B0004020202020204" pitchFamily="34" charset="0"/>
                 <a:cs typeface="Arial" panose="020B0604020202020204" pitchFamily="34" charset="0"/>
               </a:rPr>
-              <a:t> “Psychologist”</a:t>
+              <a:t> “Psychologist” </a:t>
             </a:r>
             <a:r>
               <a:rPr lang="en-IL" sz="1800" kern="100" dirty="0">
@@ -7066,16 +7009,26 @@
                 <a:ea typeface="Aptos" panose="020B0004020202020204" pitchFamily="34" charset="0"/>
                 <a:cs typeface="Arial" panose="020B0604020202020204" pitchFamily="34" charset="0"/>
               </a:rPr>
-              <a:t>: generates a session summary, extracts relevant facts, and updates patient information. </a:t>
-            </a:r>
-            <a:endParaRPr lang="en-US" sz="1800" kern="100" dirty="0">
-              <a:effectLst/>
-              <a:latin typeface="Aptos" panose="020B0004020202020204" pitchFamily="34" charset="0"/>
-              <a:ea typeface="Aptos" panose="020B0004020202020204" pitchFamily="34" charset="0"/>
-              <a:cs typeface="Arial" panose="020B0604020202020204" pitchFamily="34" charset="0"/>
-            </a:endParaRPr>
-          </a:p>
-          <a:p>
+              <a:t>Receives</a:t>
+            </a:r>
+            <a:r>
+              <a:rPr lang="ru-RU" sz="1800" kern="100" dirty="0">
+                <a:effectLst/>
+                <a:latin typeface="Aptos" panose="020B0004020202020204" pitchFamily="34" charset="0"/>
+                <a:ea typeface="Aptos" panose="020B0004020202020204" pitchFamily="34" charset="0"/>
+                <a:cs typeface="Arial" panose="020B0604020202020204" pitchFamily="34" charset="0"/>
+              </a:rPr>
+              <a:t> </a:t>
+            </a:r>
+            <a:r>
+              <a:rPr lang="en-US" sz="1800" kern="100" dirty="0">
+                <a:effectLst/>
+                <a:latin typeface="Aptos" panose="020B0004020202020204" pitchFamily="34" charset="0"/>
+                <a:ea typeface="Aptos" panose="020B0004020202020204" pitchFamily="34" charset="0"/>
+                <a:cs typeface="Arial" panose="020B0604020202020204" pitchFamily="34" charset="0"/>
+              </a:rPr>
+              <a:t>for answer</a:t>
+            </a:r>
             <a:r>
               <a:rPr lang="en-IL" sz="1800" kern="100" dirty="0">
                 <a:effectLst/>
@@ -7083,7 +7036,59 @@
                 <a:ea typeface="Aptos" panose="020B0004020202020204" pitchFamily="34" charset="0"/>
                 <a:cs typeface="Arial" panose="020B0604020202020204" pitchFamily="34" charset="0"/>
               </a:rPr>
-              <a:t>The session summary embedding is calculated.</a:t>
+              <a:t>: current session transcript, patient information, </a:t>
+            </a:r>
+            <a:r>
+              <a:rPr lang="en-US" kern="100" dirty="0">
+                <a:latin typeface="Aptos" panose="020B0004020202020204" pitchFamily="34" charset="0"/>
+                <a:ea typeface="Aptos" panose="020B0004020202020204" pitchFamily="34" charset="0"/>
+                <a:cs typeface="Arial" panose="020B0604020202020204" pitchFamily="34" charset="0"/>
+              </a:rPr>
+              <a:t>diagnosis, </a:t>
+            </a:r>
+            <a:r>
+              <a:rPr lang="en-IL" sz="1800" kern="100" dirty="0">
+                <a:effectLst/>
+                <a:latin typeface="Aptos" panose="020B0004020202020204" pitchFamily="34" charset="0"/>
+                <a:ea typeface="Aptos" panose="020B0004020202020204" pitchFamily="34" charset="0"/>
+                <a:cs typeface="Arial" panose="020B0604020202020204" pitchFamily="34" charset="0"/>
+              </a:rPr>
+              <a:t>summary of the previous session, similar</a:t>
+            </a:r>
+            <a:r>
+              <a:rPr lang="en-US" sz="1800" kern="100" dirty="0">
+                <a:effectLst/>
+                <a:latin typeface="Aptos" panose="020B0004020202020204" pitchFamily="34" charset="0"/>
+                <a:ea typeface="Aptos" panose="020B0004020202020204" pitchFamily="34" charset="0"/>
+                <a:cs typeface="Arial" panose="020B0604020202020204" pitchFamily="34" charset="0"/>
+              </a:rPr>
+              <a:t> and </a:t>
+            </a:r>
+            <a:r>
+              <a:rPr lang="en-IL" sz="1800" kern="100" dirty="0">
+                <a:effectLst/>
+                <a:latin typeface="Aptos" panose="020B0004020202020204" pitchFamily="34" charset="0"/>
+                <a:ea typeface="Aptos" panose="020B0004020202020204" pitchFamily="34" charset="0"/>
+                <a:cs typeface="Arial" panose="020B0604020202020204" pitchFamily="34" charset="0"/>
+              </a:rPr>
+              <a:t>dissimilar sessions</a:t>
+            </a:r>
+            <a:r>
+              <a:rPr lang="en-US" kern="100" dirty="0">
+                <a:latin typeface="Aptos" panose="020B0004020202020204" pitchFamily="34" charset="0"/>
+                <a:ea typeface="Aptos" panose="020B0004020202020204" pitchFamily="34" charset="0"/>
+                <a:cs typeface="Arial" panose="020B0604020202020204" pitchFamily="34" charset="0"/>
+              </a:rPr>
+              <a:t>, emotion description</a:t>
+            </a:r>
+            <a:r>
+              <a:rPr lang="en-IL" sz="1800" kern="100" dirty="0">
+                <a:effectLst/>
+                <a:latin typeface="Aptos" panose="020B0004020202020204" pitchFamily="34" charset="0"/>
+                <a:ea typeface="Aptos" panose="020B0004020202020204" pitchFamily="34" charset="0"/>
+                <a:cs typeface="Arial" panose="020B0604020202020204" pitchFamily="34" charset="0"/>
+              </a:rPr>
+              <a:t>.</a:t>
             </a:r>
             <a:endParaRPr lang="en-IL" dirty="0"/>
           </a:p>
@@ -7091,10 +7096,10 @@
       </p:sp>
       <p:sp>
         <p:nvSpPr>
-          <p:cNvPr id="9" name="TextBox 8">
-            <a:extLst>
-              <a:ext uri="{FF2B5EF4-FFF2-40B4-BE49-F238E27FC236}">
-                <a16:creationId xmlns:a16="http://schemas.microsoft.com/office/drawing/2014/main" id="{15CBA3DA-B478-D216-E768-C48BD2FB418B}"/>
+          <p:cNvPr id="17" name="TextBox 16">
+            <a:extLst>
+              <a:ext uri="{FF2B5EF4-FFF2-40B4-BE49-F238E27FC236}">
+                <a16:creationId xmlns:a16="http://schemas.microsoft.com/office/drawing/2014/main" id="{D08C21C5-CD31-2F55-E8F7-3BF361895833}"/>
               </a:ext>
             </a:extLst>
           </p:cNvPr>
@@ -7103,8 +7108,8 @@
         </p:nvSpPr>
         <p:spPr>
           <a:xfrm>
-            <a:off x="301056" y="5002789"/>
-            <a:ext cx="1752722" cy="1350819"/>
+            <a:off x="2745625" y="4642222"/>
+            <a:ext cx="3690606" cy="2031325"/>
           </a:xfrm>
           <a:prstGeom prst="rect">
             <a:avLst/>
@@ -7126,6 +7131,104 @@
           </a:bodyPr>
           <a:lstStyle/>
           <a:p>
+            <a:r>
+              <a:rPr lang="en-US" b="1" dirty="0"/>
+              <a:t>Fine-tuned LLM</a:t>
+            </a:r>
+            <a:r>
+              <a:rPr lang="en-IL" sz="1800" b="1" kern="100" dirty="0">
+                <a:effectLst/>
+                <a:latin typeface="Aptos" panose="020B0004020202020204" pitchFamily="34" charset="0"/>
+                <a:ea typeface="Aptos" panose="020B0004020202020204" pitchFamily="34" charset="0"/>
+                <a:cs typeface="Arial" panose="020B0604020202020204" pitchFamily="34" charset="0"/>
+              </a:rPr>
+              <a:t> “Psychologist”</a:t>
+            </a:r>
+            <a:r>
+              <a:rPr lang="en-IL" sz="1800" kern="100" dirty="0">
+                <a:effectLst/>
+                <a:latin typeface="Aptos" panose="020B0004020202020204" pitchFamily="34" charset="0"/>
+                <a:ea typeface="Aptos" panose="020B0004020202020204" pitchFamily="34" charset="0"/>
+                <a:cs typeface="Arial" panose="020B0604020202020204" pitchFamily="34" charset="0"/>
+              </a:rPr>
+              <a:t>: generates a session summary,</a:t>
+            </a:r>
+            <a:r>
+              <a:rPr lang="en-US" sz="1800" kern="100" dirty="0">
+                <a:effectLst/>
+                <a:latin typeface="Aptos" panose="020B0004020202020204" pitchFamily="34" charset="0"/>
+                <a:ea typeface="Aptos" panose="020B0004020202020204" pitchFamily="34" charset="0"/>
+                <a:cs typeface="Arial" panose="020B0604020202020204" pitchFamily="34" charset="0"/>
+              </a:rPr>
+              <a:t> update diagnosis,</a:t>
+            </a:r>
+            <a:r>
+              <a:rPr lang="en-IL" sz="1800" kern="100" dirty="0">
+                <a:effectLst/>
+                <a:latin typeface="Aptos" panose="020B0004020202020204" pitchFamily="34" charset="0"/>
+                <a:ea typeface="Aptos" panose="020B0004020202020204" pitchFamily="34" charset="0"/>
+                <a:cs typeface="Arial" panose="020B0604020202020204" pitchFamily="34" charset="0"/>
+              </a:rPr>
+              <a:t> extracts relevant facts, and updates patient information. </a:t>
+            </a:r>
+            <a:endParaRPr lang="en-US" sz="1800" kern="100" dirty="0">
+              <a:effectLst/>
+              <a:latin typeface="Aptos" panose="020B0004020202020204" pitchFamily="34" charset="0"/>
+              <a:ea typeface="Aptos" panose="020B0004020202020204" pitchFamily="34" charset="0"/>
+              <a:cs typeface="Arial" panose="020B0604020202020204" pitchFamily="34" charset="0"/>
+            </a:endParaRPr>
+          </a:p>
+          <a:p>
+            <a:r>
+              <a:rPr lang="en-IL" sz="1800" kern="100" dirty="0">
+                <a:effectLst/>
+                <a:latin typeface="Aptos" panose="020B0004020202020204" pitchFamily="34" charset="0"/>
+                <a:ea typeface="Aptos" panose="020B0004020202020204" pitchFamily="34" charset="0"/>
+                <a:cs typeface="Arial" panose="020B0604020202020204" pitchFamily="34" charset="0"/>
+              </a:rPr>
+              <a:t>The session summary embedding is calculated.</a:t>
+            </a:r>
+            <a:endParaRPr lang="en-IL" dirty="0"/>
+          </a:p>
+        </p:txBody>
+      </p:sp>
+      <p:sp>
+        <p:nvSpPr>
+          <p:cNvPr id="9" name="TextBox 8">
+            <a:extLst>
+              <a:ext uri="{FF2B5EF4-FFF2-40B4-BE49-F238E27FC236}">
+                <a16:creationId xmlns:a16="http://schemas.microsoft.com/office/drawing/2014/main" id="{2F239BEA-6D7C-B8C1-8270-5365F8935398}"/>
+              </a:ext>
+            </a:extLst>
+          </p:cNvPr>
+          <p:cNvSpPr txBox="1"/>
+          <p:nvPr/>
+        </p:nvSpPr>
+        <p:spPr>
+          <a:xfrm>
+            <a:off x="301056" y="4981273"/>
+            <a:ext cx="1752722" cy="1350819"/>
+          </a:xfrm>
+          <a:prstGeom prst="rect">
+            <a:avLst/>
+          </a:prstGeom>
+          <a:noFill/>
+          <a:ln w="19050">
+            <a:solidFill>
+              <a:schemeClr val="accent1"/>
+            </a:solidFill>
+          </a:ln>
+          <a:effectLst>
+            <a:reflection endPos="0" dist="50800" dir="5400000" sy="-100000" algn="bl" rotWithShape="0"/>
+            <a:softEdge rad="0"/>
+          </a:effectLst>
+        </p:spPr>
+        <p:txBody>
+          <a:bodyPr wrap="square" rtlCol="0">
+            <a:spAutoFit/>
+          </a:bodyPr>
+          <a:lstStyle/>
+          <a:p>
             <a:pPr lvl="0">
               <a:lnSpc>
                 <a:spcPct val="115000"/>
@@ -7160,7 +7263,7 @@
           <p:cNvPr id="15" name="Picture 14">
             <a:extLst>
               <a:ext uri="{FF2B5EF4-FFF2-40B4-BE49-F238E27FC236}">
-                <a16:creationId xmlns:a16="http://schemas.microsoft.com/office/drawing/2014/main" id="{3F0E3B9B-4B89-8E5A-4471-AB1F8D553325}"/>
+                <a16:creationId xmlns:a16="http://schemas.microsoft.com/office/drawing/2014/main" id="{2944CC05-23CE-C8AA-AF77-C94D7172C40B}"/>
               </a:ext>
             </a:extLst>
           </p:cNvPr>
@@ -7190,7 +7293,7 @@
           <p:cNvPr id="21" name="Connector: Elbow 20">
             <a:extLst>
               <a:ext uri="{FF2B5EF4-FFF2-40B4-BE49-F238E27FC236}">
-                <a16:creationId xmlns:a16="http://schemas.microsoft.com/office/drawing/2014/main" id="{25C1C3D2-BD71-DB2F-3CF4-849B077034D0}"/>
+                <a16:creationId xmlns:a16="http://schemas.microsoft.com/office/drawing/2014/main" id="{C053F75E-242B-BB4A-3AAD-A26BA167A1B0}"/>
               </a:ext>
             </a:extLst>
           </p:cNvPr>
@@ -7204,7 +7307,7 @@
         <p:spPr>
           <a:xfrm>
             <a:off x="8845851" y="1720789"/>
-            <a:ext cx="670382" cy="734249"/>
+            <a:ext cx="670382" cy="872749"/>
           </a:xfrm>
           <a:prstGeom prst="bentConnector3">
             <a:avLst/>
@@ -7233,7 +7336,7 @@
           <p:cNvPr id="25" name="Connector: Elbow 24">
             <a:extLst>
               <a:ext uri="{FF2B5EF4-FFF2-40B4-BE49-F238E27FC236}">
-                <a16:creationId xmlns:a16="http://schemas.microsoft.com/office/drawing/2014/main" id="{9F7E718D-3762-2F63-8A29-FAAED880EBA9}"/>
+                <a16:creationId xmlns:a16="http://schemas.microsoft.com/office/drawing/2014/main" id="{569AF8B1-0D2B-F66C-843C-FADCC1BC2CA2}"/>
               </a:ext>
             </a:extLst>
           </p:cNvPr>
@@ -7246,8 +7349,8 @@
         </p:nvCxnSpPr>
         <p:spPr>
           <a:xfrm flipV="1">
-            <a:off x="8845851" y="2455038"/>
-            <a:ext cx="670382" cy="645384"/>
+            <a:off x="8845851" y="2593538"/>
+            <a:ext cx="670382" cy="506884"/>
           </a:xfrm>
           <a:prstGeom prst="bentConnector3">
             <a:avLst>
@@ -7278,7 +7381,7 @@
           <p:cNvPr id="29" name="Connector: Elbow 28">
             <a:extLst>
               <a:ext uri="{FF2B5EF4-FFF2-40B4-BE49-F238E27FC236}">
-                <a16:creationId xmlns:a16="http://schemas.microsoft.com/office/drawing/2014/main" id="{AC436785-EC55-3CC7-F6C1-82B8593CF157}"/>
+                <a16:creationId xmlns:a16="http://schemas.microsoft.com/office/drawing/2014/main" id="{D5EC1A6F-B1CE-EBD0-508A-AC1358958F0A}"/>
               </a:ext>
             </a:extLst>
           </p:cNvPr>
@@ -7323,7 +7426,7 @@
           <p:cNvPr id="32" name="Connector: Elbow 31">
             <a:extLst>
               <a:ext uri="{FF2B5EF4-FFF2-40B4-BE49-F238E27FC236}">
-                <a16:creationId xmlns:a16="http://schemas.microsoft.com/office/drawing/2014/main" id="{F98B5BF3-F666-96D7-898F-F2528AFCC98B}"/>
+                <a16:creationId xmlns:a16="http://schemas.microsoft.com/office/drawing/2014/main" id="{4D1065F5-5372-EC8F-2A4E-947664228B9E}"/>
               </a:ext>
             </a:extLst>
           </p:cNvPr>
@@ -7368,25 +7471,26 @@
           <p:cNvPr id="35" name="Connector: Elbow 34">
             <a:extLst>
               <a:ext uri="{FF2B5EF4-FFF2-40B4-BE49-F238E27FC236}">
-                <a16:creationId xmlns:a16="http://schemas.microsoft.com/office/drawing/2014/main" id="{308E9867-FDEE-B8BA-44FF-F7579B98ECBB}"/>
+                <a16:creationId xmlns:a16="http://schemas.microsoft.com/office/drawing/2014/main" id="{5F96BDF7-B17A-422C-168C-B11A99A98E0E}"/>
               </a:ext>
             </a:extLst>
           </p:cNvPr>
           <p:cNvCxnSpPr>
             <a:cxnSpLocks/>
             <a:stCxn id="16" idx="2"/>
+            <a:endCxn id="19" idx="3"/>
           </p:cNvCxnSpPr>
           <p:nvPr/>
         </p:nvCxnSpPr>
         <p:spPr>
           <a:xfrm rot="5400000" flipH="1">
-            <a:off x="8421069" y="1577600"/>
-            <a:ext cx="302594" cy="4314604"/>
+            <a:off x="8361485" y="1795016"/>
+            <a:ext cx="446375" cy="4289991"/>
           </a:xfrm>
           <a:prstGeom prst="bentConnector4">
             <a:avLst>
-              <a:gd name="adj1" fmla="val -124816"/>
-              <a:gd name="adj2" fmla="val 91705"/>
+              <a:gd name="adj1" fmla="val -51213"/>
+              <a:gd name="adj2" fmla="val 92228"/>
             </a:avLst>
           </a:prstGeom>
           <a:ln>
@@ -7413,7 +7517,7 @@
           <p:cNvPr id="41" name="Connector: Elbow 40">
             <a:extLst>
               <a:ext uri="{FF2B5EF4-FFF2-40B4-BE49-F238E27FC236}">
-                <a16:creationId xmlns:a16="http://schemas.microsoft.com/office/drawing/2014/main" id="{B1501999-E10A-DFAD-7204-4D756CE59885}"/>
+                <a16:creationId xmlns:a16="http://schemas.microsoft.com/office/drawing/2014/main" id="{CD106BB3-5AFD-40BC-8613-AA5291179EC7}"/>
               </a:ext>
             </a:extLst>
           </p:cNvPr>
@@ -7425,9 +7529,9 @@
           <p:nvPr/>
         </p:nvCxnSpPr>
         <p:spPr>
-          <a:xfrm rot="5400000" flipH="1" flipV="1">
-            <a:off x="5408614" y="2820784"/>
-            <a:ext cx="539701" cy="2"/>
+          <a:xfrm rot="16200000" flipV="1">
+            <a:off x="5328076" y="2901323"/>
+            <a:ext cx="704224" cy="3445"/>
           </a:xfrm>
           <a:prstGeom prst="bentConnector3">
             <a:avLst>
@@ -7458,7 +7562,7 @@
           <p:cNvPr id="48" name="Connector: Elbow 47">
             <a:extLst>
               <a:ext uri="{FF2B5EF4-FFF2-40B4-BE49-F238E27FC236}">
-                <a16:creationId xmlns:a16="http://schemas.microsoft.com/office/drawing/2014/main" id="{6ECDD1EB-84B8-90B1-3FFE-038D93657621}"/>
+                <a16:creationId xmlns:a16="http://schemas.microsoft.com/office/drawing/2014/main" id="{F160AA50-2ECA-2C64-1907-ED062F5FE309}"/>
               </a:ext>
             </a:extLst>
           </p:cNvPr>
@@ -7503,7 +7607,7 @@
           <p:cNvPr id="51" name="Connector: Elbow 50">
             <a:extLst>
               <a:ext uri="{FF2B5EF4-FFF2-40B4-BE49-F238E27FC236}">
-                <a16:creationId xmlns:a16="http://schemas.microsoft.com/office/drawing/2014/main" id="{A38A541A-4438-B6D3-3AA9-7771C6017091}"/>
+                <a16:creationId xmlns:a16="http://schemas.microsoft.com/office/drawing/2014/main" id="{68486EB3-E720-7732-ECD5-EB610DE4FA86}"/>
               </a:ext>
             </a:extLst>
           </p:cNvPr>
@@ -7548,7 +7652,7 @@
           <p:cNvPr id="56" name="Connector: Elbow 55">
             <a:extLst>
               <a:ext uri="{FF2B5EF4-FFF2-40B4-BE49-F238E27FC236}">
-                <a16:creationId xmlns:a16="http://schemas.microsoft.com/office/drawing/2014/main" id="{A70F6F24-F19F-DBB0-D96B-80DD809D2473}"/>
+                <a16:creationId xmlns:a16="http://schemas.microsoft.com/office/drawing/2014/main" id="{C3CB057E-2FAE-B23C-A67A-A32149496E1E}"/>
               </a:ext>
             </a:extLst>
           </p:cNvPr>
@@ -7560,12 +7664,12 @@
         </p:nvCxnSpPr>
         <p:spPr>
           <a:xfrm rot="5400000">
-            <a:off x="3613814" y="3517787"/>
-            <a:ext cx="2261377" cy="311336"/>
+            <a:off x="3615908" y="3355865"/>
+            <a:ext cx="2261378" cy="311337"/>
           </a:xfrm>
           <a:prstGeom prst="bentConnector3">
             <a:avLst>
-              <a:gd name="adj1" fmla="val 335"/>
+              <a:gd name="adj1" fmla="val 526"/>
             </a:avLst>
           </a:prstGeom>
           <a:ln>
@@ -7592,7 +7696,7 @@
           <p:cNvPr id="61" name="Connector: Elbow 60">
             <a:extLst>
               <a:ext uri="{FF2B5EF4-FFF2-40B4-BE49-F238E27FC236}">
-                <a16:creationId xmlns:a16="http://schemas.microsoft.com/office/drawing/2014/main" id="{7FA3DB0A-B93F-909B-08C0-615818094355}"/>
+                <a16:creationId xmlns:a16="http://schemas.microsoft.com/office/drawing/2014/main" id="{F969E32B-30BD-B874-7FEB-80994B41B9BF}"/>
               </a:ext>
             </a:extLst>
           </p:cNvPr>
@@ -7605,8 +7709,8 @@
         </p:nvCxnSpPr>
         <p:spPr>
           <a:xfrm rot="10800000">
-            <a:off x="2053779" y="5678199"/>
-            <a:ext cx="689753" cy="3108"/>
+            <a:off x="2053779" y="5656683"/>
+            <a:ext cx="691847" cy="1202"/>
           </a:xfrm>
           <a:prstGeom prst="bentConnector3">
             <a:avLst>
@@ -7637,7 +7741,7 @@
           <p:cNvPr id="1037" name="TextBox 1036">
             <a:extLst>
               <a:ext uri="{FF2B5EF4-FFF2-40B4-BE49-F238E27FC236}">
-                <a16:creationId xmlns:a16="http://schemas.microsoft.com/office/drawing/2014/main" id="{1B0175E9-AF1B-49F8-08E8-0C0F6FD52AF9}"/>
+                <a16:creationId xmlns:a16="http://schemas.microsoft.com/office/drawing/2014/main" id="{06DEBA0E-FA4C-2B3C-FFEA-00F5EDC18F63}"/>
               </a:ext>
             </a:extLst>
           </p:cNvPr>
@@ -7692,60 +7796,10 @@
           </a:p>
         </p:txBody>
       </p:sp>
-      <p:sp>
-        <p:nvSpPr>
-          <p:cNvPr id="19" name="TextBox 18">
-            <a:extLst>
-              <a:ext uri="{FF2B5EF4-FFF2-40B4-BE49-F238E27FC236}">
-                <a16:creationId xmlns:a16="http://schemas.microsoft.com/office/drawing/2014/main" id="{CCF3F58F-7DA7-D3C7-72AD-06BBB228771A}"/>
-              </a:ext>
-            </a:extLst>
-          </p:cNvPr>
-          <p:cNvSpPr txBox="1"/>
-          <p:nvPr/>
-        </p:nvSpPr>
-        <p:spPr>
-          <a:xfrm>
-            <a:off x="4920696" y="3090635"/>
-            <a:ext cx="1515534" cy="923330"/>
-          </a:xfrm>
-          <a:prstGeom prst="rect">
-            <a:avLst/>
-          </a:prstGeom>
-          <a:noFill/>
-          <a:ln w="19050">
-            <a:solidFill>
-              <a:schemeClr val="accent1"/>
-            </a:solidFill>
-          </a:ln>
-          <a:effectLst>
-            <a:reflection endPos="0" dist="50800" dir="5400000" sy="-100000" algn="bl" rotWithShape="0"/>
-            <a:softEdge rad="0"/>
-          </a:effectLst>
-        </p:spPr>
-        <p:txBody>
-          <a:bodyPr wrap="square" rtlCol="0">
-            <a:spAutoFit/>
-          </a:bodyPr>
-          <a:lstStyle/>
-          <a:p>
-            <a:r>
-              <a:rPr lang="en-US" sz="1800" b="1" kern="100" dirty="0">
-                <a:effectLst/>
-                <a:latin typeface="Aptos" panose="020B0004020202020204" pitchFamily="34" charset="0"/>
-                <a:ea typeface="Aptos" panose="020B0004020202020204" pitchFamily="34" charset="0"/>
-                <a:cs typeface="Arial" panose="020B0604020202020204" pitchFamily="34" charset="0"/>
-              </a:rPr>
-              <a:t>Speak LLM answer to Patient</a:t>
-            </a:r>
-            <a:endParaRPr lang="en-IL" dirty="0"/>
-          </a:p>
-        </p:txBody>
-      </p:sp>
     </p:spTree>
     <p:extLst>
       <p:ext uri="{BB962C8B-B14F-4D97-AF65-F5344CB8AC3E}">
-        <p14:creationId xmlns:p14="http://schemas.microsoft.com/office/powerpoint/2010/main" val="92587233"/>
+        <p14:creationId xmlns:p14="http://schemas.microsoft.com/office/powerpoint/2010/main" val="1810828573"/>
       </p:ext>
     </p:extLst>
   </p:cSld>
@@ -8112,10 +8166,19 @@
                 <a:ea typeface="Aptos" panose="020B0004020202020204" pitchFamily="34" charset="0"/>
                 <a:cs typeface="Arial" panose="020B0604020202020204" pitchFamily="34" charset="0"/>
               </a:rPr>
-              <a:t>In 1966, Joseph </a:t>
-            </a:r>
-            <a:r>
-              <a:rPr lang="en-US" sz="1600" kern="100" dirty="0" err="1">
+              <a:t>In 1966, </a:t>
+            </a:r>
+            <a:r>
+              <a:rPr lang="en-US" sz="1600" b="1" kern="100" dirty="0">
+                <a:effectLst/>
+                <a:latin typeface="Aptos" panose="020B0004020202020204" pitchFamily="34" charset="0"/>
+                <a:ea typeface="Aptos" panose="020B0004020202020204" pitchFamily="34" charset="0"/>
+                <a:cs typeface="Arial" panose="020B0604020202020204" pitchFamily="34" charset="0"/>
+              </a:rPr>
+              <a:t>Joseph </a:t>
+            </a:r>
+            <a:r>
+              <a:rPr lang="en-US" sz="1600" b="1" kern="100" dirty="0" err="1">
                 <a:effectLst/>
                 <a:latin typeface="Aptos" panose="020B0004020202020204" pitchFamily="34" charset="0"/>
                 <a:ea typeface="Aptos" panose="020B0004020202020204" pitchFamily="34" charset="0"/>
@@ -8124,13 +8187,22 @@
               <a:t>Weizenbaum</a:t>
             </a:r>
             <a:r>
+              <a:rPr lang="en-US" sz="1600" b="1" kern="100" dirty="0">
+                <a:effectLst/>
+                <a:latin typeface="Aptos" panose="020B0004020202020204" pitchFamily="34" charset="0"/>
+                <a:ea typeface="Aptos" panose="020B0004020202020204" pitchFamily="34" charset="0"/>
+                <a:cs typeface="Arial" panose="020B0604020202020204" pitchFamily="34" charset="0"/>
+              </a:rPr>
+              <a:t> </a:t>
+            </a:r>
+            <a:r>
               <a:rPr lang="en-US" sz="1600" kern="100" dirty="0">
                 <a:effectLst/>
                 <a:latin typeface="Aptos" panose="020B0004020202020204" pitchFamily="34" charset="0"/>
                 <a:ea typeface="Aptos" panose="020B0004020202020204" pitchFamily="34" charset="0"/>
                 <a:cs typeface="Arial" panose="020B0604020202020204" pitchFamily="34" charset="0"/>
               </a:rPr>
-              <a:t> published program called ELIZA, which could chat to the user. The program applied pattern matching rules to statements to figure out its replies. Driven by a script named DOCTOR, it was capable of engaging humans in a conversation like empathic psychologist. Program use style after Carl Rogers, who introduced open-ended questions to encourage patients to communicate more effectively with therapists. </a:t>
+              <a:t>published program called ELIZA, which could chat to the user. The program applied pattern matching rules to statements to figure out its replies. Driven by a script named DOCTOR, it was capable of engaging humans in a conversation like empathic psychologist. Program use style after Carl Rogers, who introduced open-ended questions to encourage patients to communicate more effectively with therapists. </a:t>
             </a:r>
             <a:endParaRPr lang="en-US" sz="1600" dirty="0"/>
           </a:p>
@@ -8838,15 +8910,19 @@
               <a:t>Around the 2010s, machine learning allowed electronic psychologists to process large datasets and identify connections that were previously unclear. Commercial applications, like </a:t>
             </a:r>
             <a:r>
-              <a:rPr lang="en-US" sz="1600" dirty="0" err="1"/>
+              <a:rPr lang="en-US" sz="1600" b="1" dirty="0" err="1"/>
               <a:t>Woebot</a:t>
             </a:r>
             <a:r>
+              <a:rPr lang="en-US" sz="1600" b="1" dirty="0"/>
+              <a:t> </a:t>
+            </a:r>
+            <a:r>
               <a:rPr lang="en-US" sz="1600" dirty="0"/>
-              <a:t> and </a:t>
-            </a:r>
-            <a:r>
-              <a:rPr lang="en-US" sz="1600" dirty="0" err="1"/>
+              <a:t>and </a:t>
+            </a:r>
+            <a:r>
+              <a:rPr lang="en-US" sz="1600" b="1" dirty="0" err="1"/>
               <a:t>Replika</a:t>
             </a:r>
             <a:r>
@@ -9764,7 +9840,7 @@
             </a:pPr>
             <a:r>
               <a:rPr lang="en-US" sz="1600" dirty="0"/>
-              <a:t>"What evidence supports this belief?"</a:t>
+              <a:t>"Why do you think this is true or important?"</a:t>
             </a:r>
           </a:p>
           <a:p>
@@ -9775,7 +9851,7 @@
             </a:pPr>
             <a:r>
               <a:rPr lang="en-US" sz="1600" dirty="0"/>
-              <a:t>"Are there any experiences or facts that might challenge it?"</a:t>
+              <a:t>"Why does this evoke strong emotions in you?"</a:t>
             </a:r>
           </a:p>
           <a:p>
@@ -9786,7 +9862,7 @@
             </a:pPr>
             <a:r>
               <a:rPr lang="en-US" sz="1600" dirty="0"/>
-              <a:t>"What assumptions might you be making here?"</a:t>
+              <a:t>"What assumptions are you making here?"</a:t>
             </a:r>
           </a:p>
           <a:p>
@@ -9797,7 +9873,7 @@
             </a:pPr>
             <a:r>
               <a:rPr lang="en-US" sz="1600" dirty="0"/>
-              <a:t>"How might someone else see this situation?"</a:t>
+              <a:t>"Could you provide another perspective on this?"</a:t>
             </a:r>
           </a:p>
           <a:p>
@@ -9808,7 +9884,7 @@
             </a:pPr>
             <a:r>
               <a:rPr lang="en-US" sz="1600" dirty="0"/>
-              <a:t>"What would happen if you looked at this differently?"</a:t>
+              <a:t>"What would happen if everything were to change?"</a:t>
             </a:r>
           </a:p>
           <a:p>
@@ -9819,9 +9895,8 @@
             </a:pPr>
             <a:r>
               <a:rPr lang="en-US" sz="1600" dirty="0"/>
-              <a:t>"Why does this matter to you?“</a:t>
-            </a:r>
-            <a:endParaRPr lang="ru-RU" sz="1600" dirty="0"/>
+              <a:t>"How might someone else see this situation?"</a:t>
+            </a:r>
           </a:p>
           <a:p>
             <a:pPr marL="0" indent="0">
@@ -10628,16 +10703,25 @@
                 <a:ea typeface="Aptos" panose="020B0004020202020204" pitchFamily="34" charset="0"/>
                 <a:cs typeface="Arial" panose="020B0604020202020204" pitchFamily="34" charset="0"/>
               </a:rPr>
-              <a:t> </a:t>
-            </a:r>
-            <a:r>
-              <a:rPr lang="en-IL" sz="2000" kern="100" dirty="0" err="1">
+              <a:t> Patient</a:t>
+            </a:r>
+            <a:r>
+              <a:rPr lang="en-IL" sz="2000" kern="100" dirty="0">
                 <a:effectLst/>
                 <a:latin typeface="Aptos" panose="020B0004020202020204" pitchFamily="34" charset="0"/>
                 <a:ea typeface="Aptos" panose="020B0004020202020204" pitchFamily="34" charset="0"/>
                 <a:cs typeface="Arial" panose="020B0604020202020204" pitchFamily="34" charset="0"/>
               </a:rPr>
-              <a:t>Additional_datas</a:t>
+              <a:t>_</a:t>
+            </a:r>
+            <a:r>
+              <a:rPr lang="en-US" sz="2000" kern="100" dirty="0">
+                <a:effectLst/>
+                <a:latin typeface="Aptos" panose="020B0004020202020204" pitchFamily="34" charset="0"/>
+                <a:ea typeface="Aptos" panose="020B0004020202020204" pitchFamily="34" charset="0"/>
+                <a:cs typeface="Arial" panose="020B0604020202020204" pitchFamily="34" charset="0"/>
+              </a:rPr>
+              <a:t>facts</a:t>
             </a:r>
             <a:r>
               <a:rPr lang="en-IL" sz="2000" kern="100" dirty="0">
@@ -10698,34 +10782,7 @@
                 <a:ea typeface="Aptos" panose="020B0004020202020204" pitchFamily="34" charset="0"/>
                 <a:cs typeface="Arial" panose="020B0604020202020204" pitchFamily="34" charset="0"/>
               </a:rPr>
-              <a:t>of </a:t>
-            </a:r>
-            <a:r>
-              <a:rPr lang="en-US" sz="2000" kern="100" dirty="0" err="1">
-                <a:effectLst/>
-                <a:latin typeface="Aptos" panose="020B0004020202020204" pitchFamily="34" charset="0"/>
-                <a:ea typeface="Aptos" panose="020B0004020202020204" pitchFamily="34" charset="0"/>
-                <a:cs typeface="Arial" panose="020B0604020202020204" pitchFamily="34" charset="0"/>
-              </a:rPr>
-              <a:t>su</a:t>
-            </a:r>
-            <a:r>
-              <a:rPr lang="en-IL" sz="2000" kern="100" dirty="0" err="1">
-                <a:effectLst/>
-                <a:latin typeface="Aptos" panose="020B0004020202020204" pitchFamily="34" charset="0"/>
-                <a:ea typeface="Aptos" panose="020B0004020202020204" pitchFamily="34" charset="0"/>
-                <a:cs typeface="Arial" panose="020B0604020202020204" pitchFamily="34" charset="0"/>
-              </a:rPr>
-              <a:t>mmary</a:t>
-            </a:r>
-            <a:r>
-              <a:rPr lang="en-US" sz="2000" kern="100" dirty="0">
-                <a:effectLst/>
-                <a:latin typeface="Aptos" panose="020B0004020202020204" pitchFamily="34" charset="0"/>
-                <a:ea typeface="Aptos" panose="020B0004020202020204" pitchFamily="34" charset="0"/>
-                <a:cs typeface="Arial" panose="020B0604020202020204" pitchFamily="34" charset="0"/>
-              </a:rPr>
-              <a:t> </a:t>
+              <a:t>of talk </a:t>
             </a:r>
             <a:r>
               <a:rPr lang="en-IL" sz="2000" kern="100" dirty="0">
@@ -10800,10 +10857,10 @@
       </p:sp>
       <p:pic>
         <p:nvPicPr>
-          <p:cNvPr id="9" name="Picture 8">
-            <a:extLst>
-              <a:ext uri="{FF2B5EF4-FFF2-40B4-BE49-F238E27FC236}">
-                <a16:creationId xmlns:a16="http://schemas.microsoft.com/office/drawing/2014/main" id="{334F440E-D6B8-F3D7-2D71-AACF4D1BF552}"/>
+          <p:cNvPr id="4" name="Picture 3">
+            <a:extLst>
+              <a:ext uri="{FF2B5EF4-FFF2-40B4-BE49-F238E27FC236}">
+                <a16:creationId xmlns:a16="http://schemas.microsoft.com/office/drawing/2014/main" id="{9A25481C-C1B7-7E70-826B-0828588FF35B}"/>
               </a:ext>
             </a:extLst>
           </p:cNvPr>
@@ -10820,8 +10877,8 @@
         </p:blipFill>
         <p:spPr>
           <a:xfrm>
-            <a:off x="9099744" y="1132120"/>
-            <a:ext cx="2162477" cy="5487166"/>
+            <a:off x="8674011" y="999759"/>
+            <a:ext cx="2053250" cy="5535634"/>
           </a:xfrm>
           <a:prstGeom prst="rect">
             <a:avLst/>
@@ -11919,7 +11976,7 @@
         <p:cNvPr id="1" name="">
           <a:extLst>
             <a:ext uri="{FF2B5EF4-FFF2-40B4-BE49-F238E27FC236}">
-              <a16:creationId xmlns:a16="http://schemas.microsoft.com/office/drawing/2014/main" id="{88E22D45-627F-3A46-889B-B9EF23C81A8B}"/>
+              <a16:creationId xmlns:a16="http://schemas.microsoft.com/office/drawing/2014/main" id="{8CDAA976-8ECA-9274-BB77-2D6D404D6AEC}"/>
             </a:ext>
           </a:extLst>
         </p:cNvPr>
@@ -11939,7 +11996,7 @@
           <p:cNvPr id="2" name="Title 1">
             <a:extLst>
               <a:ext uri="{FF2B5EF4-FFF2-40B4-BE49-F238E27FC236}">
-                <a16:creationId xmlns:a16="http://schemas.microsoft.com/office/drawing/2014/main" id="{CBB9AF5C-6263-6566-7AEF-280979DCE781}"/>
+                <a16:creationId xmlns:a16="http://schemas.microsoft.com/office/drawing/2014/main" id="{4A32BE31-16DE-FE5D-2F8C-4276B5D4FBAE}"/>
               </a:ext>
             </a:extLst>
           </p:cNvPr>
@@ -11980,7 +12037,7 @@
           <p:cNvPr id="7" name="Picture 6">
             <a:extLst>
               <a:ext uri="{FF2B5EF4-FFF2-40B4-BE49-F238E27FC236}">
-                <a16:creationId xmlns:a16="http://schemas.microsoft.com/office/drawing/2014/main" id="{619EEA08-3989-7C72-D9F3-4EF2173109EA}"/>
+                <a16:creationId xmlns:a16="http://schemas.microsoft.com/office/drawing/2014/main" id="{EC1F78CE-CBFE-BE91-83D7-7C63F6A16D55}"/>
               </a:ext>
             </a:extLst>
           </p:cNvPr>
@@ -12010,7 +12067,7 @@
           <p:cNvPr id="4" name="TextBox 3">
             <a:extLst>
               <a:ext uri="{FF2B5EF4-FFF2-40B4-BE49-F238E27FC236}">
-                <a16:creationId xmlns:a16="http://schemas.microsoft.com/office/drawing/2014/main" id="{807E7C87-E939-DE23-0C71-1167723DB1A1}"/>
+                <a16:creationId xmlns:a16="http://schemas.microsoft.com/office/drawing/2014/main" id="{ACDD9099-481F-5B77-2D28-794D2D0D2731}"/>
               </a:ext>
             </a:extLst>
           </p:cNvPr>
@@ -12040,7 +12097,7 @@
           <a:p>
             <a:pPr algn="ctr"/>
             <a:r>
-              <a:rPr lang="ru-RU" sz="2000" b="1" dirty="0"/>
+              <a:rPr lang="en-US" sz="2000" b="1" dirty="0"/>
               <a:t>8</a:t>
             </a:r>
             <a:endParaRPr lang="en-IL" sz="2000" b="1" dirty="0"/>
@@ -12052,7 +12109,7 @@
           <p:cNvPr id="8" name="TextBox 7">
             <a:extLst>
               <a:ext uri="{FF2B5EF4-FFF2-40B4-BE49-F238E27FC236}">
-                <a16:creationId xmlns:a16="http://schemas.microsoft.com/office/drawing/2014/main" id="{299BF9C9-22EA-471F-3F10-7E3B82DED6DD}"/>
+                <a16:creationId xmlns:a16="http://schemas.microsoft.com/office/drawing/2014/main" id="{796E45C4-C9A3-AFAE-A7D0-92BF167B65BA}"/>
               </a:ext>
             </a:extLst>
           </p:cNvPr>
@@ -12118,7 +12175,7 @@
           <p:cNvPr id="10" name="TextBox 9">
             <a:extLst>
               <a:ext uri="{FF2B5EF4-FFF2-40B4-BE49-F238E27FC236}">
-                <a16:creationId xmlns:a16="http://schemas.microsoft.com/office/drawing/2014/main" id="{EA339705-3EF5-385E-B3C2-51ACBC01715C}"/>
+                <a16:creationId xmlns:a16="http://schemas.microsoft.com/office/drawing/2014/main" id="{78D2C17A-A42D-7B14-E190-F2FFCEA8FDEF}"/>
               </a:ext>
             </a:extLst>
           </p:cNvPr>
@@ -12172,7 +12229,7 @@
           <p:cNvPr id="5" name="TextBox 4">
             <a:extLst>
               <a:ext uri="{FF2B5EF4-FFF2-40B4-BE49-F238E27FC236}">
-                <a16:creationId xmlns:a16="http://schemas.microsoft.com/office/drawing/2014/main" id="{C78BA092-228C-F68F-D0F9-9FF6263041C9}"/>
+                <a16:creationId xmlns:a16="http://schemas.microsoft.com/office/drawing/2014/main" id="{23426E71-9D75-E984-C374-62127F939D01}"/>
               </a:ext>
             </a:extLst>
           </p:cNvPr>
@@ -12238,7 +12295,7 @@
           <p:cNvPr id="6" name="TextBox 5">
             <a:extLst>
               <a:ext uri="{FF2B5EF4-FFF2-40B4-BE49-F238E27FC236}">
-                <a16:creationId xmlns:a16="http://schemas.microsoft.com/office/drawing/2014/main" id="{258E18B1-DC87-D8C6-85A4-965324109AD8}"/>
+                <a16:creationId xmlns:a16="http://schemas.microsoft.com/office/drawing/2014/main" id="{60B83D88-62C1-D0C2-D2F8-31C2AC15929A}"/>
               </a:ext>
             </a:extLst>
           </p:cNvPr>
@@ -12304,7 +12361,7 @@
           <p:cNvPr id="13" name="TextBox 12">
             <a:extLst>
               <a:ext uri="{FF2B5EF4-FFF2-40B4-BE49-F238E27FC236}">
-                <a16:creationId xmlns:a16="http://schemas.microsoft.com/office/drawing/2014/main" id="{02BEBFB7-C581-BDC5-8DEC-A5E2FCD9FD11}"/>
+                <a16:creationId xmlns:a16="http://schemas.microsoft.com/office/drawing/2014/main" id="{94E4C992-24DD-1331-E0AF-7C2CA5E1B0AF}"/>
               </a:ext>
             </a:extLst>
           </p:cNvPr>
@@ -12405,7 +12462,7 @@
           <p:cNvPr id="16" name="TextBox 15">
             <a:extLst>
               <a:ext uri="{FF2B5EF4-FFF2-40B4-BE49-F238E27FC236}">
-                <a16:creationId xmlns:a16="http://schemas.microsoft.com/office/drawing/2014/main" id="{9499EB6C-4037-3D65-4153-ADDD88780346}"/>
+                <a16:creationId xmlns:a16="http://schemas.microsoft.com/office/drawing/2014/main" id="{A6DBD11A-DF1B-3E36-F35F-B31823F2FA36}"/>
               </a:ext>
             </a:extLst>
           </p:cNvPr>
@@ -12415,7 +12472,7 @@
         <p:spPr>
           <a:xfrm>
             <a:off x="9516233" y="1023877"/>
-            <a:ext cx="2426869" cy="2862322"/>
+            <a:ext cx="2426869" cy="3139321"/>
           </a:xfrm>
           <a:prstGeom prst="rect">
             <a:avLst/>
@@ -12484,7 +12541,24 @@
                 <a:ea typeface="Aptos" panose="020B0004020202020204" pitchFamily="34" charset="0"/>
                 <a:cs typeface="Arial" panose="020B0604020202020204" pitchFamily="34" charset="0"/>
               </a:rPr>
-              <a:t>: current session transcript, patient information, summary of the previous session, similar</a:t>
+              <a:t>: current session transcript, patient information, </a:t>
+            </a:r>
+            <a:r>
+              <a:rPr lang="en-US" kern="100" dirty="0">
+                <a:latin typeface="Aptos" panose="020B0004020202020204" pitchFamily="34" charset="0"/>
+                <a:ea typeface="Aptos" panose="020B0004020202020204" pitchFamily="34" charset="0"/>
+                <a:cs typeface="Arial" panose="020B0604020202020204" pitchFamily="34" charset="0"/>
+              </a:rPr>
+              <a:t>diagnosis, </a:t>
+            </a:r>
+            <a:r>
+              <a:rPr lang="en-IL" sz="1800" kern="100" dirty="0">
+                <a:effectLst/>
+                <a:latin typeface="Aptos" panose="020B0004020202020204" pitchFamily="34" charset="0"/>
+                <a:ea typeface="Aptos" panose="020B0004020202020204" pitchFamily="34" charset="0"/>
+                <a:cs typeface="Arial" panose="020B0604020202020204" pitchFamily="34" charset="0"/>
+              </a:rPr>
+              <a:t>summary of the previous session, similar</a:t>
             </a:r>
             <a:r>
               <a:rPr lang="en-US" sz="1800" kern="100" dirty="0">
@@ -12530,7 +12604,7 @@
           <p:cNvPr id="15" name="Picture 14">
             <a:extLst>
               <a:ext uri="{FF2B5EF4-FFF2-40B4-BE49-F238E27FC236}">
-                <a16:creationId xmlns:a16="http://schemas.microsoft.com/office/drawing/2014/main" id="{05622379-0B76-A19B-6B0B-CC267F9B129F}"/>
+                <a16:creationId xmlns:a16="http://schemas.microsoft.com/office/drawing/2014/main" id="{68178D35-D649-11F1-1FE3-08024849E1CA}"/>
               </a:ext>
             </a:extLst>
           </p:cNvPr>
@@ -12560,7 +12634,7 @@
           <p:cNvPr id="21" name="Connector: Elbow 20">
             <a:extLst>
               <a:ext uri="{FF2B5EF4-FFF2-40B4-BE49-F238E27FC236}">
-                <a16:creationId xmlns:a16="http://schemas.microsoft.com/office/drawing/2014/main" id="{B97531AE-5F4C-83B3-C83A-7553D4F4031A}"/>
+                <a16:creationId xmlns:a16="http://schemas.microsoft.com/office/drawing/2014/main" id="{1E4050F5-4A6E-6487-99A1-D7379503E944}"/>
               </a:ext>
             </a:extLst>
           </p:cNvPr>
@@ -12574,7 +12648,7 @@
         <p:spPr>
           <a:xfrm>
             <a:off x="8845851" y="1720789"/>
-            <a:ext cx="670382" cy="734249"/>
+            <a:ext cx="670382" cy="872749"/>
           </a:xfrm>
           <a:prstGeom prst="bentConnector3">
             <a:avLst/>
@@ -12603,7 +12677,7 @@
           <p:cNvPr id="25" name="Connector: Elbow 24">
             <a:extLst>
               <a:ext uri="{FF2B5EF4-FFF2-40B4-BE49-F238E27FC236}">
-                <a16:creationId xmlns:a16="http://schemas.microsoft.com/office/drawing/2014/main" id="{A621DFAB-F9A4-6BB7-86D4-BD73010C8B79}"/>
+                <a16:creationId xmlns:a16="http://schemas.microsoft.com/office/drawing/2014/main" id="{032CEC72-DC4B-87D8-2DEB-955F333E44C2}"/>
               </a:ext>
             </a:extLst>
           </p:cNvPr>
@@ -12616,8 +12690,8 @@
         </p:nvCxnSpPr>
         <p:spPr>
           <a:xfrm flipV="1">
-            <a:off x="8845851" y="2455038"/>
-            <a:ext cx="670382" cy="645384"/>
+            <a:off x="8845851" y="2593538"/>
+            <a:ext cx="670382" cy="506884"/>
           </a:xfrm>
           <a:prstGeom prst="bentConnector3">
             <a:avLst>
@@ -12648,7 +12722,7 @@
           <p:cNvPr id="29" name="Connector: Elbow 28">
             <a:extLst>
               <a:ext uri="{FF2B5EF4-FFF2-40B4-BE49-F238E27FC236}">
-                <a16:creationId xmlns:a16="http://schemas.microsoft.com/office/drawing/2014/main" id="{92B4A309-66A8-A8AA-7922-7931AB54814B}"/>
+                <a16:creationId xmlns:a16="http://schemas.microsoft.com/office/drawing/2014/main" id="{C57E5EA9-338F-F6B4-021B-9D8014757B39}"/>
               </a:ext>
             </a:extLst>
           </p:cNvPr>
@@ -12693,7 +12767,7 @@
           <p:cNvPr id="32" name="Connector: Elbow 31">
             <a:extLst>
               <a:ext uri="{FF2B5EF4-FFF2-40B4-BE49-F238E27FC236}">
-                <a16:creationId xmlns:a16="http://schemas.microsoft.com/office/drawing/2014/main" id="{44619C94-6049-9A2D-FCA0-26F22F3668ED}"/>
+                <a16:creationId xmlns:a16="http://schemas.microsoft.com/office/drawing/2014/main" id="{B4960C4B-9650-85CA-430D-C0FECEE24C30}"/>
               </a:ext>
             </a:extLst>
           </p:cNvPr>
@@ -12738,7 +12812,7 @@
           <p:cNvPr id="48" name="Connector: Elbow 47">
             <a:extLst>
               <a:ext uri="{FF2B5EF4-FFF2-40B4-BE49-F238E27FC236}">
-                <a16:creationId xmlns:a16="http://schemas.microsoft.com/office/drawing/2014/main" id="{B8BDEAFD-07F2-BD1C-BD86-5A7943B3A0D1}"/>
+                <a16:creationId xmlns:a16="http://schemas.microsoft.com/office/drawing/2014/main" id="{B73614E3-298E-F935-C049-73009FDE05DB}"/>
               </a:ext>
             </a:extLst>
           </p:cNvPr>
@@ -12783,7 +12857,7 @@
           <p:cNvPr id="51" name="Connector: Elbow 50">
             <a:extLst>
               <a:ext uri="{FF2B5EF4-FFF2-40B4-BE49-F238E27FC236}">
-                <a16:creationId xmlns:a16="http://schemas.microsoft.com/office/drawing/2014/main" id="{2F77A8B2-5258-1989-839B-AD93026A7594}"/>
+                <a16:creationId xmlns:a16="http://schemas.microsoft.com/office/drawing/2014/main" id="{1A2A8D5E-6C13-795C-F629-89B4B4BE4A0B}"/>
               </a:ext>
             </a:extLst>
           </p:cNvPr>
@@ -12826,7 +12900,7 @@
     </p:spTree>
     <p:extLst>
       <p:ext uri="{BB962C8B-B14F-4D97-AF65-F5344CB8AC3E}">
-        <p14:creationId xmlns:p14="http://schemas.microsoft.com/office/powerpoint/2010/main" val="462011747"/>
+        <p14:creationId xmlns:p14="http://schemas.microsoft.com/office/powerpoint/2010/main" val="2513845910"/>
       </p:ext>
     </p:extLst>
   </p:cSld>
